--- a/artifacts/04-CHAT-Framework-Presentation.pptx
+++ b/artifacts/04-CHAT-Framework-Presentation.pptx
@@ -17,11 +17,8 @@
     <p:sldId id="265" r:id="rId16"/>
     <p:sldId id="266" r:id="rId17"/>
     <p:sldId id="267" r:id="rId18"/>
-    <p:sldId id="268" r:id="rId19"/>
-    <p:sldId id="269" r:id="rId20"/>
-    <p:sldId id="270" r:id="rId21"/>
   </p:sldIdLst>
-  <p:sldSz cx="9144000" cy="6858000" type="screen4x3"/>
+  <p:sldSz cx="9144000" cy="5143500" type="screen4x3"/>
   <p:notesSz cx="6858000" cy="9144000"/>
   <p:defaultTextStyle>
     <a:defPPr>
@@ -3118,7 +3115,7 @@
         </p:nvSpPr>
         <p:spPr>
           <a:xfrm>
-            <a:off x="914400" y="2286000"/>
+            <a:off x="914400" y="1828800"/>
             <a:ext cx="7315200" cy="914400"/>
           </a:xfrm>
           <a:prstGeom prst="rect">
@@ -3153,8 +3150,8 @@
         </p:nvSpPr>
         <p:spPr>
           <a:xfrm>
-            <a:off x="914400" y="3474720"/>
-            <a:ext cx="7315200" cy="731520"/>
+            <a:off x="914400" y="2926080"/>
+            <a:ext cx="7315200" cy="457200"/>
           </a:xfrm>
           <a:prstGeom prst="rect">
             <a:avLst/>
@@ -3175,42 +3172,7 @@
               </a:defRPr>
             </a:pPr>
             <a:r>
-              <a:t>A Dynamic Alternative to the Business Model Canvas</a:t>
-            </a:r>
-          </a:p>
-        </p:txBody>
-      </p:sp>
-      <p:sp>
-        <p:nvSpPr>
-          <p:cNvPr id="4" name="TextBox 3"/>
-          <p:cNvSpPr txBox="1"/>
-          <p:nvPr/>
-        </p:nvSpPr>
-        <p:spPr>
-          <a:xfrm>
-            <a:off x="914400" y="6217920"/>
-            <a:ext cx="7315200" cy="365760"/>
-          </a:xfrm>
-          <a:prstGeom prst="rect">
-            <a:avLst/>
-          </a:prstGeom>
-          <a:noFill/>
-        </p:spPr>
-        <p:txBody>
-          <a:bodyPr wrap="none">
-            <a:spAutoFit/>
-          </a:bodyPr>
-          <a:lstStyle/>
-          <a:p>
-            <a:pPr algn="ctr">
-              <a:defRPr sz="1200">
-                <a:solidFill>
-                  <a:srgbClr val="FFFFFF"/>
-                </a:solidFill>
-              </a:defRPr>
-            </a:pPr>
-            <a:r>
-              <a:t>Operiva | Business-Ready Tools for South African SMMEs</a:t>
+              <a:t>Customer • How • Assets • Tools</a:t>
             </a:r>
           </a:p>
         </p:txBody>
@@ -3224,1191 +3186,6 @@
 </file>
 
 <file path=ppt/slides/slide10.xml><?xml version="1.0" encoding="utf-8"?>
-<p:sld xmlns:a="http://schemas.openxmlformats.org/drawingml/2006/main" xmlns:p="http://schemas.openxmlformats.org/presentationml/2006/main" xmlns:r="http://schemas.openxmlformats.org/officeDocument/2006/relationships">
-  <p:cSld>
-    <p:spTree>
-      <p:nvGrpSpPr>
-        <p:cNvPr id="1" name=""/>
-        <p:cNvGrpSpPr/>
-        <p:nvPr/>
-      </p:nvGrpSpPr>
-      <p:grpSpPr/>
-      <p:sp>
-        <p:nvSpPr>
-          <p:cNvPr id="2" name="TextBox 1"/>
-          <p:cNvSpPr txBox="1"/>
-          <p:nvPr/>
-        </p:nvSpPr>
-        <p:spPr>
-          <a:xfrm>
-            <a:off x="0" y="0"/>
-            <a:ext cx="9144000" cy="731520"/>
-          </a:xfrm>
-          <a:prstGeom prst="rect">
-            <a:avLst/>
-          </a:prstGeom>
-          <a:solidFill>
-            <a:srgbClr val="101C42"/>
-          </a:solidFill>
-        </p:spPr>
-        <p:txBody>
-          <a:bodyPr wrap="none" anchor="ctr" lIns="457200">
-            <a:spAutoFit/>
-          </a:bodyPr>
-          <a:lstStyle/>
-          <a:p>
-            <a:pPr>
-              <a:defRPr sz="2800" b="1">
-                <a:solidFill>
-                  <a:srgbClr val="FFFFFF"/>
-                </a:solidFill>
-              </a:defRPr>
-            </a:pPr>
-            <a:r>
-              <a:t>Component 7: Key Activities</a:t>
-            </a:r>
-          </a:p>
-        </p:txBody>
-      </p:sp>
-      <p:sp>
-        <p:nvSpPr>
-          <p:cNvPr id="3" name="TextBox 2"/>
-          <p:cNvSpPr txBox="1"/>
-          <p:nvPr/>
-        </p:nvSpPr>
-        <p:spPr>
-          <a:xfrm>
-            <a:off x="731520" y="1371600"/>
-            <a:ext cx="7680960" cy="5029200"/>
-          </a:xfrm>
-          <a:prstGeom prst="rect">
-            <a:avLst/>
-          </a:prstGeom>
-          <a:noFill/>
-        </p:spPr>
-        <p:txBody>
-          <a:bodyPr wrap="square">
-            <a:spAutoFit/>
-          </a:bodyPr>
-          <a:lstStyle/>
-          <a:p/>
-          <a:p>
-            <a:pPr>
-              <a:spcBef>
-                <a:spcPts val="1200"/>
-              </a:spcBef>
-              <a:defRPr sz="1800"/>
-            </a:pPr>
-            <a:r>
-              <a:t>How do you do it?</a:t>
-            </a:r>
-          </a:p>
-          <a:p>
-            <a:pPr>
-              <a:spcBef>
-                <a:spcPts val="1200"/>
-              </a:spcBef>
-              <a:defRPr sz="1800"/>
-            </a:pPr>
-          </a:p>
-          <a:p>
-            <a:pPr>
-              <a:spcBef>
-                <a:spcPts val="1200"/>
-              </a:spcBef>
-              <a:defRPr sz="1800"/>
-            </a:pPr>
-            <a:r>
-              <a:t>The division of labor - specific tasks required to create your Outcome</a:t>
-            </a:r>
-          </a:p>
-          <a:p>
-            <a:pPr>
-              <a:spcBef>
-                <a:spcPts val="1200"/>
-              </a:spcBef>
-              <a:defRPr sz="1800"/>
-            </a:pPr>
-          </a:p>
-          <a:p>
-            <a:pPr>
-              <a:spcBef>
-                <a:spcPts val="1200"/>
-              </a:spcBef>
-              <a:defRPr sz="1800"/>
-            </a:pPr>
-            <a:r>
-              <a:t>Sourdough Sanctuary:</a:t>
-            </a:r>
-          </a:p>
-          <a:p>
-            <a:pPr>
-              <a:spcBef>
-                <a:spcPts val="1200"/>
-              </a:spcBef>
-              <a:defRPr sz="1800"/>
-            </a:pPr>
-            <a:r>
-              <a:t>  • Sourcing high-quality ingredients</a:t>
-            </a:r>
-          </a:p>
-          <a:p>
-            <a:pPr>
-              <a:spcBef>
-                <a:spcPts val="1200"/>
-              </a:spcBef>
-              <a:defRPr sz="1800"/>
-            </a:pPr>
-            <a:r>
-              <a:t>  • Mixing and kneading dough</a:t>
-            </a:r>
-          </a:p>
-          <a:p>
-            <a:pPr>
-              <a:spcBef>
-                <a:spcPts val="1200"/>
-              </a:spcBef>
-              <a:defRPr sz="1800"/>
-            </a:pPr>
-            <a:r>
-              <a:t>  • Managing the 72-hour fermentation process</a:t>
-            </a:r>
-          </a:p>
-          <a:p>
-            <a:pPr>
-              <a:spcBef>
-                <a:spcPts val="1200"/>
-              </a:spcBef>
-              <a:defRPr sz="1800"/>
-            </a:pPr>
-            <a:r>
-              <a:t>  • Baking and quality control</a:t>
-            </a:r>
-          </a:p>
-          <a:p>
-            <a:pPr>
-              <a:spcBef>
-                <a:spcPts val="1200"/>
-              </a:spcBef>
-              <a:defRPr sz="1800"/>
-            </a:pPr>
-            <a:r>
-              <a:t>  • Customer service and sales</a:t>
-            </a:r>
-          </a:p>
-          <a:p>
-            <a:pPr>
-              <a:spcBef>
-                <a:spcPts val="1200"/>
-              </a:spcBef>
-              <a:defRPr sz="1800"/>
-            </a:pPr>
-            <a:r>
-              <a:t>  • Marketing and social media</a:t>
-            </a:r>
-          </a:p>
-        </p:txBody>
-      </p:sp>
-    </p:spTree>
-  </p:cSld>
-  <p:clrMapOvr>
-    <a:masterClrMapping/>
-  </p:clrMapOvr>
-</p:sld>
-</file>
-
-<file path=ppt/slides/slide11.xml><?xml version="1.0" encoding="utf-8"?>
-<p:sld xmlns:a="http://schemas.openxmlformats.org/drawingml/2006/main" xmlns:p="http://schemas.openxmlformats.org/presentationml/2006/main" xmlns:r="http://schemas.openxmlformats.org/officeDocument/2006/relationships">
-  <p:cSld>
-    <p:spTree>
-      <p:nvGrpSpPr>
-        <p:cNvPr id="1" name=""/>
-        <p:cNvGrpSpPr/>
-        <p:nvPr/>
-      </p:nvGrpSpPr>
-      <p:grpSpPr/>
-      <p:sp>
-        <p:nvSpPr>
-          <p:cNvPr id="2" name="TextBox 1"/>
-          <p:cNvSpPr txBox="1"/>
-          <p:nvPr/>
-        </p:nvSpPr>
-        <p:spPr>
-          <a:xfrm>
-            <a:off x="0" y="0"/>
-            <a:ext cx="9144000" cy="731520"/>
-          </a:xfrm>
-          <a:prstGeom prst="rect">
-            <a:avLst/>
-          </a:prstGeom>
-          <a:solidFill>
-            <a:srgbClr val="101C42"/>
-          </a:solidFill>
-        </p:spPr>
-        <p:txBody>
-          <a:bodyPr wrap="none" anchor="ctr" lIns="457200">
-            <a:spAutoFit/>
-          </a:bodyPr>
-          <a:lstStyle/>
-          <a:p>
-            <a:pPr>
-              <a:defRPr sz="2800" b="1">
-                <a:solidFill>
-                  <a:srgbClr val="FFFFFF"/>
-                </a:solidFill>
-              </a:defRPr>
-            </a:pPr>
-            <a:r>
-              <a:t>How the Components Connect</a:t>
-            </a:r>
-          </a:p>
-        </p:txBody>
-      </p:sp>
-      <p:sp>
-        <p:nvSpPr>
-          <p:cNvPr id="3" name="TextBox 2"/>
-          <p:cNvSpPr txBox="1"/>
-          <p:nvPr/>
-        </p:nvSpPr>
-        <p:spPr>
-          <a:xfrm>
-            <a:off x="731520" y="1371600"/>
-            <a:ext cx="7680960" cy="5029200"/>
-          </a:xfrm>
-          <a:prstGeom prst="rect">
-            <a:avLst/>
-          </a:prstGeom>
-          <a:noFill/>
-        </p:spPr>
-        <p:txBody>
-          <a:bodyPr wrap="square">
-            <a:spAutoFit/>
-          </a:bodyPr>
-          <a:lstStyle/>
-          <a:p/>
-          <a:p>
-            <a:pPr>
-              <a:spcBef>
-                <a:spcPts val="1200"/>
-              </a:spcBef>
-              <a:defRPr sz="1800"/>
-            </a:pPr>
-            <a:r>
-              <a:t>The CHAT framework is visualized as a triangle:</a:t>
-            </a:r>
-          </a:p>
-          <a:p>
-            <a:pPr>
-              <a:spcBef>
-                <a:spcPts val="1200"/>
-              </a:spcBef>
-              <a:defRPr sz="1800"/>
-            </a:pPr>
-          </a:p>
-          <a:p>
-            <a:pPr>
-              <a:spcBef>
-                <a:spcPts val="1200"/>
-              </a:spcBef>
-              <a:defRPr sz="1800"/>
-            </a:pPr>
-            <a:r>
-              <a:t>At the core:</a:t>
-            </a:r>
-          </a:p>
-          <a:p>
-            <a:pPr>
-              <a:spcBef>
-                <a:spcPts val="1200"/>
-              </a:spcBef>
-              <a:defRPr sz="1800"/>
-            </a:pPr>
-            <a:r>
-              <a:t>  SUBJECT acts on OBJECT to produce OUTCOME</a:t>
-            </a:r>
-          </a:p>
-          <a:p>
-            <a:pPr>
-              <a:spcBef>
-                <a:spcPts val="1200"/>
-              </a:spcBef>
-              <a:defRPr sz="1800"/>
-            </a:pPr>
-          </a:p>
-          <a:p>
-            <a:pPr>
-              <a:spcBef>
-                <a:spcPts val="1200"/>
-              </a:spcBef>
-              <a:defRPr sz="1800"/>
-            </a:pPr>
-            <a:r>
-              <a:t>Influenced by:</a:t>
-            </a:r>
-          </a:p>
-          <a:p>
-            <a:pPr>
-              <a:spcBef>
-                <a:spcPts val="1200"/>
-              </a:spcBef>
-              <a:defRPr sz="1800"/>
-            </a:pPr>
-            <a:r>
-              <a:t>  • DIFFERENTIATOR (top) - Your unique approach</a:t>
-            </a:r>
-          </a:p>
-          <a:p>
-            <a:pPr>
-              <a:spcBef>
-                <a:spcPts val="1200"/>
-              </a:spcBef>
-              <a:defRPr sz="1800"/>
-            </a:pPr>
-            <a:r>
-              <a:t>  • BARRIERS TO ENTRY (bottom left) - Your protection</a:t>
-            </a:r>
-          </a:p>
-          <a:p>
-            <a:pPr>
-              <a:spcBef>
-                <a:spcPts val="1200"/>
-              </a:spcBef>
-              <a:defRPr sz="1800"/>
-            </a:pPr>
-            <a:r>
-              <a:t>  • CUSTOMER (bottom center) - Who you serve</a:t>
-            </a:r>
-          </a:p>
-          <a:p>
-            <a:pPr>
-              <a:spcBef>
-                <a:spcPts val="1200"/>
-              </a:spcBef>
-              <a:defRPr sz="1800"/>
-            </a:pPr>
-            <a:r>
-              <a:t>  • KEY ACTIVITIES (bottom right) - How you execute</a:t>
-            </a:r>
-          </a:p>
-          <a:p>
-            <a:pPr>
-              <a:spcBef>
-                <a:spcPts val="1200"/>
-              </a:spcBef>
-              <a:defRPr sz="1800"/>
-            </a:pPr>
-          </a:p>
-          <a:p>
-            <a:pPr>
-              <a:spcBef>
-                <a:spcPts val="1200"/>
-              </a:spcBef>
-              <a:defRPr sz="1800"/>
-            </a:pPr>
-            <a:r>
-              <a:t>All 7 components work together to tell your business story</a:t>
-            </a:r>
-          </a:p>
-        </p:txBody>
-      </p:sp>
-    </p:spTree>
-  </p:cSld>
-  <p:clrMapOvr>
-    <a:masterClrMapping/>
-  </p:clrMapOvr>
-</p:sld>
-</file>
-
-<file path=ppt/slides/slide12.xml><?xml version="1.0" encoding="utf-8"?>
-<p:sld xmlns:a="http://schemas.openxmlformats.org/drawingml/2006/main" xmlns:p="http://schemas.openxmlformats.org/presentationml/2006/main" xmlns:r="http://schemas.openxmlformats.org/officeDocument/2006/relationships">
-  <p:cSld>
-    <p:spTree>
-      <p:nvGrpSpPr>
-        <p:cNvPr id="1" name=""/>
-        <p:cNvGrpSpPr/>
-        <p:nvPr/>
-      </p:nvGrpSpPr>
-      <p:grpSpPr/>
-      <p:sp>
-        <p:nvSpPr>
-          <p:cNvPr id="2" name="TextBox 1"/>
-          <p:cNvSpPr txBox="1"/>
-          <p:nvPr/>
-        </p:nvSpPr>
-        <p:spPr>
-          <a:xfrm>
-            <a:off x="0" y="0"/>
-            <a:ext cx="9144000" cy="731520"/>
-          </a:xfrm>
-          <a:prstGeom prst="rect">
-            <a:avLst/>
-          </a:prstGeom>
-          <a:solidFill>
-            <a:srgbClr val="101C42"/>
-          </a:solidFill>
-        </p:spPr>
-        <p:txBody>
-          <a:bodyPr wrap="none" anchor="ctr" lIns="457200">
-            <a:spAutoFit/>
-          </a:bodyPr>
-          <a:lstStyle/>
-          <a:p>
-            <a:pPr>
-              <a:defRPr sz="2800" b="1">
-                <a:solidFill>
-                  <a:srgbClr val="FFFFFF"/>
-                </a:solidFill>
-              </a:defRPr>
-            </a:pPr>
-            <a:r>
-              <a:t>CHAT vs Business Model Canvas</a:t>
-            </a:r>
-          </a:p>
-        </p:txBody>
-      </p:sp>
-      <p:graphicFrame>
-        <p:nvGraphicFramePr>
-          <p:cNvPr id="3" name="Table 2"/>
-          <p:cNvGraphicFramePr>
-            <a:graphicFrameLocks noGrp="1"/>
-          </p:cNvGraphicFramePr>
-          <p:nvPr/>
-        </p:nvGraphicFramePr>
-        <p:xfrm>
-          <a:off x="457200" y="1371600"/>
-          <a:ext cx="8229600" cy="4572000"/>
-        </p:xfrm>
-        <a:graphic>
-          <a:graphicData uri="http://schemas.openxmlformats.org/drawingml/2006/table">
-            <a:tbl>
-              <a:tblPr firstRow="1" bandRow="1">
-                <a:tableStyleId>{5C22544A-7EE6-4342-B048-85BDC9FD1C3A}</a:tableStyleId>
-              </a:tblPr>
-              <a:tblGrid>
-                <a:gridCol w="2743200"/>
-                <a:gridCol w="2743200"/>
-                <a:gridCol w="2743200"/>
-              </a:tblGrid>
-              <a:tr h="762000">
-                <a:tc>
-                  <a:txBody>
-                    <a:bodyPr/>
-                    <a:lstStyle/>
-                    <a:p>
-                      <a:pPr>
-                        <a:defRPr sz="1400" b="1">
-                          <a:solidFill>
-                            <a:srgbClr val="FFFFFF"/>
-                          </a:solidFill>
-                        </a:defRPr>
-                      </a:pPr>
-                      <a:r>
-                        <a:t>Aspect</a:t>
-                      </a:r>
-                    </a:p>
-                  </a:txBody>
-                  <a:tcPr>
-                    <a:solidFill>
-                      <a:srgbClr val="4472C4"/>
-                    </a:solidFill>
-                  </a:tcPr>
-                </a:tc>
-                <a:tc>
-                  <a:txBody>
-                    <a:bodyPr/>
-                    <a:lstStyle/>
-                    <a:p>
-                      <a:pPr>
-                        <a:defRPr sz="1400" b="1">
-                          <a:solidFill>
-                            <a:srgbClr val="FFFFFF"/>
-                          </a:solidFill>
-                        </a:defRPr>
-                      </a:pPr>
-                      <a:r>
-                        <a:t>Business Model Canvas</a:t>
-                      </a:r>
-                    </a:p>
-                  </a:txBody>
-                  <a:tcPr>
-                    <a:solidFill>
-                      <a:srgbClr val="4472C4"/>
-                    </a:solidFill>
-                  </a:tcPr>
-                </a:tc>
-                <a:tc>
-                  <a:txBody>
-                    <a:bodyPr/>
-                    <a:lstStyle/>
-                    <a:p>
-                      <a:pPr>
-                        <a:defRPr sz="1400" b="1">
-                          <a:solidFill>
-                            <a:srgbClr val="FFFFFF"/>
-                          </a:solidFill>
-                        </a:defRPr>
-                      </a:pPr>
-                      <a:r>
-                        <a:t>CHAT Framework</a:t>
-                      </a:r>
-                    </a:p>
-                  </a:txBody>
-                  <a:tcPr>
-                    <a:solidFill>
-                      <a:srgbClr val="4472C4"/>
-                    </a:solidFill>
-                  </a:tcPr>
-                </a:tc>
-              </a:tr>
-              <a:tr h="762000">
-                <a:tc>
-                  <a:txBody>
-                    <a:bodyPr/>
-                    <a:lstStyle/>
-                    <a:p>
-                      <a:pPr>
-                        <a:defRPr sz="1200"/>
-                      </a:pPr>
-                      <a:r>
-                        <a:t>Components</a:t>
-                      </a:r>
-                    </a:p>
-                  </a:txBody>
-                  <a:tcPr/>
-                </a:tc>
-                <a:tc>
-                  <a:txBody>
-                    <a:bodyPr/>
-                    <a:lstStyle/>
-                    <a:p>
-                      <a:pPr>
-                        <a:defRPr sz="1200"/>
-                      </a:pPr>
-                      <a:r>
-                        <a:t>9 blocks</a:t>
-                      </a:r>
-                    </a:p>
-                  </a:txBody>
-                  <a:tcPr/>
-                </a:tc>
-                <a:tc>
-                  <a:txBody>
-                    <a:bodyPr/>
-                    <a:lstStyle/>
-                    <a:p>
-                      <a:pPr>
-                        <a:defRPr sz="1200"/>
-                      </a:pPr>
-                      <a:r>
-                        <a:t>7 components</a:t>
-                      </a:r>
-                    </a:p>
-                  </a:txBody>
-                  <a:tcPr/>
-                </a:tc>
-              </a:tr>
-              <a:tr h="762000">
-                <a:tc>
-                  <a:txBody>
-                    <a:bodyPr/>
-                    <a:lstStyle/>
-                    <a:p>
-                      <a:pPr>
-                        <a:defRPr sz="1200"/>
-                      </a:pPr>
-                      <a:r>
-                        <a:t>Structure</a:t>
-                      </a:r>
-                    </a:p>
-                  </a:txBody>
-                  <a:tcPr/>
-                </a:tc>
-                <a:tc>
-                  <a:txBody>
-                    <a:bodyPr/>
-                    <a:lstStyle/>
-                    <a:p>
-                      <a:pPr>
-                        <a:defRPr sz="1200"/>
-                      </a:pPr>
-                      <a:r>
-                        <a:t>Grid layout</a:t>
-                      </a:r>
-                    </a:p>
-                  </a:txBody>
-                  <a:tcPr/>
-                </a:tc>
-                <a:tc>
-                  <a:txBody>
-                    <a:bodyPr/>
-                    <a:lstStyle/>
-                    <a:p>
-                      <a:pPr>
-                        <a:defRPr sz="1200"/>
-                      </a:pPr>
-                      <a:r>
-                        <a:t>Triangle diagram</a:t>
-                      </a:r>
-                    </a:p>
-                  </a:txBody>
-                  <a:tcPr/>
-                </a:tc>
-              </a:tr>
-              <a:tr h="762000">
-                <a:tc>
-                  <a:txBody>
-                    <a:bodyPr/>
-                    <a:lstStyle/>
-                    <a:p>
-                      <a:pPr>
-                        <a:defRPr sz="1200"/>
-                      </a:pPr>
-                      <a:r>
-                        <a:t>Focus</a:t>
-                      </a:r>
-                    </a:p>
-                  </a:txBody>
-                  <a:tcPr/>
-                </a:tc>
-                <a:tc>
-                  <a:txBody>
-                    <a:bodyPr/>
-                    <a:lstStyle/>
-                    <a:p>
-                      <a:pPr>
-                        <a:defRPr sz="1200"/>
-                      </a:pPr>
-                      <a:r>
-                        <a:t>Building blocks</a:t>
-                      </a:r>
-                    </a:p>
-                  </a:txBody>
-                  <a:tcPr/>
-                </a:tc>
-                <a:tc>
-                  <a:txBody>
-                    <a:bodyPr/>
-                    <a:lstStyle/>
-                    <a:p>
-                      <a:pPr>
-                        <a:defRPr sz="1200"/>
-                      </a:pPr>
-                      <a:r>
-                        <a:t>Relationships &amp; flow</a:t>
-                      </a:r>
-                    </a:p>
-                  </a:txBody>
-                  <a:tcPr/>
-                </a:tc>
-              </a:tr>
-              <a:tr h="762000">
-                <a:tc>
-                  <a:txBody>
-                    <a:bodyPr/>
-                    <a:lstStyle/>
-                    <a:p>
-                      <a:pPr>
-                        <a:defRPr sz="1200"/>
-                      </a:pPr>
-                      <a:r>
-                        <a:t>Complexity</a:t>
-                      </a:r>
-                    </a:p>
-                  </a:txBody>
-                  <a:tcPr/>
-                </a:tc>
-                <a:tc>
-                  <a:txBody>
-                    <a:bodyPr/>
-                    <a:lstStyle/>
-                    <a:p>
-                      <a:pPr>
-                        <a:defRPr sz="1200"/>
-                      </a:pPr>
-                      <a:r>
-                        <a:t>More detailed</a:t>
-                      </a:r>
-                    </a:p>
-                  </a:txBody>
-                  <a:tcPr/>
-                </a:tc>
-                <a:tc>
-                  <a:txBody>
-                    <a:bodyPr/>
-                    <a:lstStyle/>
-                    <a:p>
-                      <a:pPr>
-                        <a:defRPr sz="1200"/>
-                      </a:pPr>
-                      <a:r>
-                        <a:t>More streamlined</a:t>
-                      </a:r>
-                    </a:p>
-                  </a:txBody>
-                  <a:tcPr/>
-                </a:tc>
-              </a:tr>
-              <a:tr h="762000">
-                <a:tc>
-                  <a:txBody>
-                    <a:bodyPr/>
-                    <a:lstStyle/>
-                    <a:p>
-                      <a:pPr>
-                        <a:defRPr sz="1200"/>
-                      </a:pPr>
-                      <a:r>
-                        <a:t>Best For</a:t>
-                      </a:r>
-                    </a:p>
-                  </a:txBody>
-                  <a:tcPr/>
-                </a:tc>
-                <a:tc>
-                  <a:txBody>
-                    <a:bodyPr/>
-                    <a:lstStyle/>
-                    <a:p>
-                      <a:pPr>
-                        <a:defRPr sz="1200"/>
-                      </a:pPr>
-                      <a:r>
-                        <a:t>Comprehensive planning</a:t>
-                      </a:r>
-                    </a:p>
-                  </a:txBody>
-                  <a:tcPr/>
-                </a:tc>
-                <a:tc>
-                  <a:txBody>
-                    <a:bodyPr/>
-                    <a:lstStyle/>
-                    <a:p>
-                      <a:pPr>
-                        <a:defRPr sz="1200"/>
-                      </a:pPr>
-                      <a:r>
-                        <a:t>Quick visualization</a:t>
-                      </a:r>
-                    </a:p>
-                  </a:txBody>
-                  <a:tcPr/>
-                </a:tc>
-              </a:tr>
-            </a:tbl>
-          </a:graphicData>
-        </a:graphic>
-      </p:graphicFrame>
-    </p:spTree>
-  </p:cSld>
-  <p:clrMapOvr>
-    <a:masterClrMapping/>
-  </p:clrMapOvr>
-</p:sld>
-</file>
-
-<file path=ppt/slides/slide13.xml><?xml version="1.0" encoding="utf-8"?>
-<p:sld xmlns:a="http://schemas.openxmlformats.org/drawingml/2006/main" xmlns:p="http://schemas.openxmlformats.org/presentationml/2006/main" xmlns:r="http://schemas.openxmlformats.org/officeDocument/2006/relationships">
-  <p:cSld>
-    <p:spTree>
-      <p:nvGrpSpPr>
-        <p:cNvPr id="1" name=""/>
-        <p:cNvGrpSpPr/>
-        <p:nvPr/>
-      </p:nvGrpSpPr>
-      <p:grpSpPr/>
-      <p:sp>
-        <p:nvSpPr>
-          <p:cNvPr id="2" name="TextBox 1"/>
-          <p:cNvSpPr txBox="1"/>
-          <p:nvPr/>
-        </p:nvSpPr>
-        <p:spPr>
-          <a:xfrm>
-            <a:off x="0" y="0"/>
-            <a:ext cx="9144000" cy="731520"/>
-          </a:xfrm>
-          <a:prstGeom prst="rect">
-            <a:avLst/>
-          </a:prstGeom>
-          <a:solidFill>
-            <a:srgbClr val="101C42"/>
-          </a:solidFill>
-        </p:spPr>
-        <p:txBody>
-          <a:bodyPr wrap="none" anchor="ctr" lIns="457200">
-            <a:spAutoFit/>
-          </a:bodyPr>
-          <a:lstStyle/>
-          <a:p>
-            <a:pPr>
-              <a:defRPr sz="2800" b="1">
-                <a:solidFill>
-                  <a:srgbClr val="FFFFFF"/>
-                </a:solidFill>
-              </a:defRPr>
-            </a:pPr>
-            <a:r>
-              <a:t>Using the Excel Template</a:t>
-            </a:r>
-          </a:p>
-        </p:txBody>
-      </p:sp>
-      <p:sp>
-        <p:nvSpPr>
-          <p:cNvPr id="3" name="TextBox 2"/>
-          <p:cNvSpPr txBox="1"/>
-          <p:nvPr/>
-        </p:nvSpPr>
-        <p:spPr>
-          <a:xfrm>
-            <a:off x="731520" y="1371600"/>
-            <a:ext cx="7680960" cy="5029200"/>
-          </a:xfrm>
-          <a:prstGeom prst="rect">
-            <a:avLst/>
-          </a:prstGeom>
-          <a:noFill/>
-        </p:spPr>
-        <p:txBody>
-          <a:bodyPr wrap="square">
-            <a:spAutoFit/>
-          </a:bodyPr>
-          <a:lstStyle/>
-          <a:p/>
-          <a:p>
-            <a:pPr>
-              <a:spcBef>
-                <a:spcPts val="1200"/>
-              </a:spcBef>
-              <a:defRPr sz="1800"/>
-            </a:pPr>
-            <a:r>
-              <a:t>The included Excel template has 3 worksheets:</a:t>
-            </a:r>
-          </a:p>
-          <a:p>
-            <a:pPr>
-              <a:spcBef>
-                <a:spcPts val="1200"/>
-              </a:spcBef>
-              <a:defRPr sz="1800"/>
-            </a:pPr>
-          </a:p>
-          <a:p>
-            <a:pPr>
-              <a:spcBef>
-                <a:spcPts val="1200"/>
-              </a:spcBef>
-              <a:defRPr sz="1800"/>
-            </a:pPr>
-            <a:r>
-              <a:t>1. Instructions</a:t>
-            </a:r>
-          </a:p>
-          <a:p>
-            <a:pPr>
-              <a:spcBef>
-                <a:spcPts val="1200"/>
-              </a:spcBef>
-              <a:defRPr sz="1800"/>
-            </a:pPr>
-            <a:r>
-              <a:t>   Overview of the CHAT framework</a:t>
-            </a:r>
-          </a:p>
-          <a:p>
-            <a:pPr>
-              <a:spcBef>
-                <a:spcPts val="1200"/>
-              </a:spcBef>
-              <a:defRPr sz="1800"/>
-            </a:pPr>
-          </a:p>
-          <a:p>
-            <a:pPr>
-              <a:spcBef>
-                <a:spcPts val="1200"/>
-              </a:spcBef>
-              <a:defRPr sz="1800"/>
-            </a:pPr>
-            <a:r>
-              <a:t>2. CHAT Components</a:t>
-            </a:r>
-          </a:p>
-          <a:p>
-            <a:pPr>
-              <a:spcBef>
-                <a:spcPts val="1200"/>
-              </a:spcBef>
-              <a:defRPr sz="1800"/>
-            </a:pPr>
-            <a:r>
-              <a:t>   Fill in the 7 components for YOUR business</a:t>
-            </a:r>
-          </a:p>
-          <a:p>
-            <a:pPr>
-              <a:spcBef>
-                <a:spcPts val="1200"/>
-              </a:spcBef>
-              <a:defRPr sz="1800"/>
-            </a:pPr>
-          </a:p>
-          <a:p>
-            <a:pPr>
-              <a:spcBef>
-                <a:spcPts val="1200"/>
-              </a:spcBef>
-              <a:defRPr sz="1800"/>
-            </a:pPr>
-            <a:r>
-              <a:t>3. Example</a:t>
-            </a:r>
-          </a:p>
-          <a:p>
-            <a:pPr>
-              <a:spcBef>
-                <a:spcPts val="1200"/>
-              </a:spcBef>
-              <a:defRPr sz="1800"/>
-            </a:pPr>
-            <a:r>
-              <a:t>   See Sourdough Sanctuary's completed CHAT model</a:t>
-            </a:r>
-          </a:p>
-        </p:txBody>
-      </p:sp>
-    </p:spTree>
-  </p:cSld>
-  <p:clrMapOvr>
-    <a:masterClrMapping/>
-  </p:clrMapOvr>
-</p:sld>
-</file>
-
-<file path=ppt/slides/slide14.xml><?xml version="1.0" encoding="utf-8"?>
-<p:sld xmlns:a="http://schemas.openxmlformats.org/drawingml/2006/main" xmlns:p="http://schemas.openxmlformats.org/presentationml/2006/main" xmlns:r="http://schemas.openxmlformats.org/officeDocument/2006/relationships">
-  <p:cSld>
-    <p:spTree>
-      <p:nvGrpSpPr>
-        <p:cNvPr id="1" name=""/>
-        <p:cNvGrpSpPr/>
-        <p:nvPr/>
-      </p:nvGrpSpPr>
-      <p:grpSpPr/>
-      <p:sp>
-        <p:nvSpPr>
-          <p:cNvPr id="2" name="TextBox 1"/>
-          <p:cNvSpPr txBox="1"/>
-          <p:nvPr/>
-        </p:nvSpPr>
-        <p:spPr>
-          <a:xfrm>
-            <a:off x="0" y="0"/>
-            <a:ext cx="9144000" cy="731520"/>
-          </a:xfrm>
-          <a:prstGeom prst="rect">
-            <a:avLst/>
-          </a:prstGeom>
-          <a:solidFill>
-            <a:srgbClr val="101C42"/>
-          </a:solidFill>
-        </p:spPr>
-        <p:txBody>
-          <a:bodyPr wrap="none" anchor="ctr" lIns="457200">
-            <a:spAutoFit/>
-          </a:bodyPr>
-          <a:lstStyle/>
-          <a:p>
-            <a:pPr>
-              <a:defRPr sz="2800" b="1">
-                <a:solidFill>
-                  <a:srgbClr val="FFFFFF"/>
-                </a:solidFill>
-              </a:defRPr>
-            </a:pPr>
-            <a:r>
-              <a:t>Your Next Steps</a:t>
-            </a:r>
-          </a:p>
-        </p:txBody>
-      </p:sp>
-      <p:sp>
-        <p:nvSpPr>
-          <p:cNvPr id="3" name="TextBox 2"/>
-          <p:cNvSpPr txBox="1"/>
-          <p:nvPr/>
-        </p:nvSpPr>
-        <p:spPr>
-          <a:xfrm>
-            <a:off x="731520" y="1371600"/>
-            <a:ext cx="7680960" cy="5029200"/>
-          </a:xfrm>
-          <a:prstGeom prst="rect">
-            <a:avLst/>
-          </a:prstGeom>
-          <a:noFill/>
-        </p:spPr>
-        <p:txBody>
-          <a:bodyPr wrap="square">
-            <a:spAutoFit/>
-          </a:bodyPr>
-          <a:lstStyle/>
-          <a:p/>
-          <a:p>
-            <a:pPr>
-              <a:spcBef>
-                <a:spcPts val="1200"/>
-              </a:spcBef>
-              <a:defRPr sz="1800"/>
-            </a:pPr>
-            <a:r>
-              <a:t>1. Read the PDF Guide (20 minutes)</a:t>
-            </a:r>
-          </a:p>
-          <a:p>
-            <a:pPr>
-              <a:spcBef>
-                <a:spcPts val="1200"/>
-              </a:spcBef>
-              <a:defRPr sz="1800"/>
-            </a:pPr>
-            <a:r>
-              <a:t>   Understand each component in detail</a:t>
-            </a:r>
-          </a:p>
-          <a:p>
-            <a:pPr>
-              <a:spcBef>
-                <a:spcPts val="1200"/>
-              </a:spcBef>
-              <a:defRPr sz="1800"/>
-            </a:pPr>
-          </a:p>
-          <a:p>
-            <a:pPr>
-              <a:spcBef>
-                <a:spcPts val="1200"/>
-              </a:spcBef>
-              <a:defRPr sz="1800"/>
-            </a:pPr>
-            <a:r>
-              <a:t>2. Complete the Excel Template (30-45 minutes)</a:t>
-            </a:r>
-          </a:p>
-          <a:p>
-            <a:pPr>
-              <a:spcBef>
-                <a:spcPts val="1200"/>
-              </a:spcBef>
-              <a:defRPr sz="1800"/>
-            </a:pPr>
-            <a:r>
-              <a:t>   Map your business using the 7 components</a:t>
-            </a:r>
-          </a:p>
-          <a:p>
-            <a:pPr>
-              <a:spcBef>
-                <a:spcPts val="1200"/>
-              </a:spcBef>
-              <a:defRPr sz="1800"/>
-            </a:pPr>
-          </a:p>
-          <a:p>
-            <a:pPr>
-              <a:spcBef>
-                <a:spcPts val="1200"/>
-              </a:spcBef>
-              <a:defRPr sz="1800"/>
-            </a:pPr>
-            <a:r>
-              <a:t>3. Present to Your Team (Optional)</a:t>
-            </a:r>
-          </a:p>
-          <a:p>
-            <a:pPr>
-              <a:spcBef>
-                <a:spcPts val="1200"/>
-              </a:spcBef>
-              <a:defRPr sz="1800"/>
-            </a:pPr>
-            <a:r>
-              <a:t>   Use this PowerPoint to communicate your business model</a:t>
-            </a:r>
-          </a:p>
-          <a:p>
-            <a:pPr>
-              <a:spcBef>
-                <a:spcPts val="1200"/>
-              </a:spcBef>
-              <a:defRPr sz="1800"/>
-            </a:pPr>
-          </a:p>
-          <a:p>
-            <a:pPr>
-              <a:spcBef>
-                <a:spcPts val="1200"/>
-              </a:spcBef>
-              <a:defRPr sz="1800"/>
-            </a:pPr>
-            <a:r>
-              <a:t>4. Compare with Business Model Canvas</a:t>
-            </a:r>
-          </a:p>
-          <a:p>
-            <a:pPr>
-              <a:spcBef>
-                <a:spcPts val="1200"/>
-              </a:spcBef>
-              <a:defRPr sz="1800"/>
-            </a:pPr>
-            <a:r>
-              <a:t>   Use both frameworks for deeper insights</a:t>
-            </a:r>
-          </a:p>
-          <a:p>
-            <a:pPr>
-              <a:spcBef>
-                <a:spcPts val="1200"/>
-              </a:spcBef>
-              <a:defRPr sz="1800"/>
-            </a:pPr>
-          </a:p>
-          <a:p>
-            <a:pPr>
-              <a:spcBef>
-                <a:spcPts val="1200"/>
-              </a:spcBef>
-              <a:defRPr sz="1800"/>
-            </a:pPr>
-            <a:r>
-              <a:t>5. Refine Quarterly</a:t>
-            </a:r>
-          </a:p>
-          <a:p>
-            <a:pPr>
-              <a:spcBef>
-                <a:spcPts val="1200"/>
-              </a:spcBef>
-              <a:defRPr sz="1800"/>
-            </a:pPr>
-            <a:r>
-              <a:t>   Update as your business evolves</a:t>
-            </a:r>
-          </a:p>
-        </p:txBody>
-      </p:sp>
-    </p:spTree>
-  </p:cSld>
-  <p:clrMapOvr>
-    <a:masterClrMapping/>
-  </p:clrMapOvr>
-</p:sld>
-</file>
-
-<file path=ppt/slides/slide15.xml><?xml version="1.0" encoding="utf-8"?>
 <p:sld xmlns:a="http://schemas.openxmlformats.org/drawingml/2006/main" xmlns:p="http://schemas.openxmlformats.org/presentationml/2006/main" xmlns:r="http://schemas.openxmlformats.org/officeDocument/2006/relationships">
   <p:cSld>
     <p:bg>
@@ -4428,14 +3205,306 @@
       <p:grpSpPr/>
       <p:sp>
         <p:nvSpPr>
+          <p:cNvPr id="2" name="Oval 1"/>
+          <p:cNvSpPr/>
+          <p:nvPr/>
+        </p:nvSpPr>
+        <p:spPr>
+          <a:xfrm>
+            <a:off x="640080" y="1371600"/>
+            <a:ext cx="1828800" cy="1828800"/>
+          </a:xfrm>
+          <a:prstGeom prst="ellipse">
+            <a:avLst/>
+          </a:prstGeom>
+          <a:solidFill>
+            <a:srgbClr val="E74C3C"/>
+          </a:solidFill>
+          <a:ln>
+            <a:solidFill>
+              <a:srgbClr val="E74C3C"/>
+            </a:solidFill>
+          </a:ln>
+        </p:spPr>
+        <p:style>
+          <a:lnRef idx="1">
+            <a:schemeClr val="accent1"/>
+          </a:lnRef>
+          <a:fillRef idx="3">
+            <a:schemeClr val="accent1"/>
+          </a:fillRef>
+          <a:effectRef idx="2">
+            <a:schemeClr val="accent1"/>
+          </a:effectRef>
+          <a:fontRef idx="minor">
+            <a:schemeClr val="lt1"/>
+          </a:fontRef>
+        </p:style>
+        <p:txBody>
+          <a:bodyPr rtlCol="0" anchor="ctr"/>
+          <a:lstStyle/>
+          <a:p>
+            <a:pPr algn="ctr"/>
+          </a:p>
+        </p:txBody>
+      </p:sp>
+      <p:sp>
+        <p:nvSpPr>
+          <p:cNvPr id="3" name="TextBox 2"/>
+          <p:cNvSpPr txBox="1"/>
+          <p:nvPr/>
+        </p:nvSpPr>
+        <p:spPr>
+          <a:xfrm>
+            <a:off x="640080" y="1828800"/>
+            <a:ext cx="1828800" cy="914400"/>
+          </a:xfrm>
+          <a:prstGeom prst="rect">
+            <a:avLst/>
+          </a:prstGeom>
+          <a:noFill/>
+        </p:spPr>
+        <p:txBody>
+          <a:bodyPr wrap="none">
+            <a:spAutoFit/>
+          </a:bodyPr>
+          <a:lstStyle/>
+          <a:p>
+            <a:pPr algn="ctr">
+              <a:defRPr sz="8000" b="1">
+                <a:solidFill>
+                  <a:srgbClr val="FFFFFF"/>
+                </a:solidFill>
+              </a:defRPr>
+            </a:pPr>
+            <a:r>
+              <a:t>7</a:t>
+            </a:r>
+          </a:p>
+        </p:txBody>
+      </p:sp>
+      <p:sp>
+        <p:nvSpPr>
+          <p:cNvPr id="4" name="Rectangle 3"/>
+          <p:cNvSpPr/>
+          <p:nvPr/>
+        </p:nvSpPr>
+        <p:spPr>
+          <a:xfrm>
+            <a:off x="2926080" y="914400"/>
+            <a:ext cx="73152" cy="3657600"/>
+          </a:xfrm>
+          <a:prstGeom prst="rect">
+            <a:avLst/>
+          </a:prstGeom>
+          <a:solidFill>
+            <a:srgbClr val="FFFFFF"/>
+          </a:solidFill>
+          <a:ln>
+            <a:solidFill>
+              <a:srgbClr val="FFFFFF"/>
+            </a:solidFill>
+          </a:ln>
+        </p:spPr>
+        <p:style>
+          <a:lnRef idx="1">
+            <a:schemeClr val="accent1"/>
+          </a:lnRef>
+          <a:fillRef idx="3">
+            <a:schemeClr val="accent1"/>
+          </a:fillRef>
+          <a:effectRef idx="2">
+            <a:schemeClr val="accent1"/>
+          </a:effectRef>
+          <a:fontRef idx="minor">
+            <a:schemeClr val="lt1"/>
+          </a:fontRef>
+        </p:style>
+        <p:txBody>
+          <a:bodyPr rtlCol="0" anchor="ctr"/>
+          <a:lstStyle/>
+          <a:p>
+            <a:pPr algn="ctr"/>
+          </a:p>
+        </p:txBody>
+      </p:sp>
+      <p:sp>
+        <p:nvSpPr>
+          <p:cNvPr id="5" name="TextBox 4"/>
+          <p:cNvSpPr txBox="1"/>
+          <p:nvPr/>
+        </p:nvSpPr>
+        <p:spPr>
+          <a:xfrm>
+            <a:off x="3383280" y="914400"/>
+            <a:ext cx="5486400" cy="731520"/>
+          </a:xfrm>
+          <a:prstGeom prst="rect">
+            <a:avLst/>
+          </a:prstGeom>
+          <a:noFill/>
+        </p:spPr>
+        <p:txBody>
+          <a:bodyPr wrap="none">
+            <a:spAutoFit/>
+          </a:bodyPr>
+          <a:lstStyle/>
+          <a:p>
+            <a:pPr>
+              <a:defRPr sz="3200" b="1">
+                <a:solidFill>
+                  <a:srgbClr val="E74C3C"/>
+                </a:solidFill>
+              </a:defRPr>
+            </a:pPr>
+            <a:r>
+              <a:t>KEY ACTIVITIES</a:t>
+            </a:r>
+          </a:p>
+        </p:txBody>
+      </p:sp>
+      <p:sp>
+        <p:nvSpPr>
+          <p:cNvPr id="6" name="TextBox 5"/>
+          <p:cNvSpPr txBox="1"/>
+          <p:nvPr/>
+        </p:nvSpPr>
+        <p:spPr>
+          <a:xfrm>
+            <a:off x="3383280" y="1828800"/>
+            <a:ext cx="5303520" cy="731520"/>
+          </a:xfrm>
+          <a:prstGeom prst="rect">
+            <a:avLst/>
+          </a:prstGeom>
+          <a:noFill/>
+        </p:spPr>
+        <p:txBody>
+          <a:bodyPr wrap="none">
+            <a:spAutoFit/>
+          </a:bodyPr>
+          <a:lstStyle/>
+          <a:p>
+            <a:pPr>
+              <a:defRPr sz="1400" i="1">
+                <a:solidFill>
+                  <a:srgbClr val="FFFFFF"/>
+                </a:solidFill>
+              </a:defRPr>
+            </a:pPr>
+            <a:r>
+              <a:t>What you actually do (division of labor)</a:t>
+            </a:r>
+          </a:p>
+        </p:txBody>
+      </p:sp>
+      <p:sp>
+        <p:nvSpPr>
+          <p:cNvPr id="7" name="TextBox 6"/>
+          <p:cNvSpPr txBox="1"/>
+          <p:nvPr/>
+        </p:nvSpPr>
+        <p:spPr>
+          <a:xfrm>
+            <a:off x="3383280" y="2743200"/>
+            <a:ext cx="5303520" cy="2103120"/>
+          </a:xfrm>
+          <a:prstGeom prst="rect">
+            <a:avLst/>
+          </a:prstGeom>
+          <a:noFill/>
+        </p:spPr>
+        <p:txBody>
+          <a:bodyPr wrap="none">
+            <a:spAutoFit/>
+          </a:bodyPr>
+          <a:lstStyle/>
+          <a:p>
+            <a:pPr>
+              <a:defRPr sz="1400">
+                <a:solidFill>
+                  <a:srgbClr val="FFFFFF"/>
+                </a:solidFill>
+              </a:defRPr>
+            </a:pPr>
+            <a:r>
+              <a:t>• What are your main business activities?</a:t>
+            </a:r>
+          </a:p>
+          <a:p>
+            <a:pPr>
+              <a:defRPr sz="1400">
+                <a:solidFill>
+                  <a:srgbClr val="FFFFFF"/>
+                </a:solidFill>
+              </a:defRPr>
+            </a:pPr>
+            <a:r>
+              <a:t>• What processes do you follow?</a:t>
+            </a:r>
+          </a:p>
+          <a:p>
+            <a:pPr>
+              <a:defRPr sz="1400">
+                <a:solidFill>
+                  <a:srgbClr val="FFFFFF"/>
+                </a:solidFill>
+              </a:defRPr>
+            </a:pPr>
+            <a:r>
+              <a:t>• Who does what in your team?</a:t>
+            </a:r>
+          </a:p>
+          <a:p>
+            <a:pPr>
+              <a:defRPr sz="1400">
+                <a:solidFill>
+                  <a:srgbClr val="FFFFFF"/>
+                </a:solidFill>
+              </a:defRPr>
+            </a:pPr>
+            <a:r>
+              <a:t>• What activities create the most value?</a:t>
+            </a:r>
+          </a:p>
+        </p:txBody>
+      </p:sp>
+    </p:spTree>
+  </p:cSld>
+  <p:clrMapOvr>
+    <a:masterClrMapping/>
+  </p:clrMapOvr>
+</p:sld>
+</file>
+
+<file path=ppt/slides/slide11.xml><?xml version="1.0" encoding="utf-8"?>
+<p:sld xmlns:a="http://schemas.openxmlformats.org/drawingml/2006/main" xmlns:p="http://schemas.openxmlformats.org/presentationml/2006/main" xmlns:r="http://schemas.openxmlformats.org/officeDocument/2006/relationships">
+  <p:cSld>
+    <p:bg>
+      <p:bgPr>
+        <a:solidFill>
+          <a:srgbClr val="101C42"/>
+        </a:solidFill>
+        <a:effectLst/>
+      </p:bgPr>
+    </p:bg>
+    <p:spTree>
+      <p:nvGrpSpPr>
+        <p:cNvPr id="1" name=""/>
+        <p:cNvGrpSpPr/>
+        <p:nvPr/>
+      </p:nvGrpSpPr>
+      <p:grpSpPr/>
+      <p:sp>
+        <p:nvSpPr>
           <p:cNvPr id="2" name="TextBox 1"/>
           <p:cNvSpPr txBox="1"/>
           <p:nvPr/>
         </p:nvSpPr>
         <p:spPr>
           <a:xfrm>
-            <a:off x="914400" y="2286000"/>
-            <a:ext cx="7315200" cy="914400"/>
+            <a:off x="914400" y="731520"/>
+            <a:ext cx="7315200" cy="731520"/>
           </a:xfrm>
           <a:prstGeom prst="rect">
             <a:avLst/>
@@ -4449,14 +3518,14 @@
           <a:lstStyle/>
           <a:p>
             <a:pPr algn="ctr">
-              <a:defRPr sz="4400" b="1">
-                <a:solidFill>
-                  <a:srgbClr val="FFFFFF"/>
-                </a:solidFill>
-              </a:defRPr>
-            </a:pPr>
-            <a:r>
-              <a:t>Visualize Your Business Model Today</a:t>
+              <a:defRPr sz="3600" b="1">
+                <a:solidFill>
+                  <a:srgbClr val="FFFFFF"/>
+                </a:solidFill>
+              </a:defRPr>
+            </a:pPr>
+            <a:r>
+              <a:t>How to Complete Your CHAT</a:t>
             </a:r>
           </a:p>
         </p:txBody>
@@ -4469,8 +3538,8 @@
         </p:nvSpPr>
         <p:spPr>
           <a:xfrm>
-            <a:off x="914400" y="3474720"/>
-            <a:ext cx="7315200" cy="731520"/>
+            <a:off x="1828800" y="1828800"/>
+            <a:ext cx="5486400" cy="2743200"/>
           </a:xfrm>
           <a:prstGeom prst="rect">
             <a:avLst/>
@@ -4483,29 +3552,181 @@
           </a:bodyPr>
           <a:lstStyle/>
           <a:p>
-            <a:pPr algn="ctr">
-              <a:defRPr sz="2000">
-                <a:solidFill>
-                  <a:srgbClr val="FFFFFF"/>
-                </a:solidFill>
-              </a:defRPr>
-            </a:pPr>
-            <a:r>
-              <a:t>Clarity leads to better decisions</a:t>
-            </a:r>
-          </a:p>
-        </p:txBody>
-      </p:sp>
-      <p:sp>
-        <p:nvSpPr>
-          <p:cNvPr id="4" name="TextBox 3"/>
+            <a:pPr>
+              <a:defRPr sz="1600">
+                <a:solidFill>
+                  <a:srgbClr val="FFFFFF"/>
+                </a:solidFill>
+              </a:defRPr>
+            </a:pPr>
+            <a:r>
+              <a:t>1. Start with Subject - Define your business</a:t>
+            </a:r>
+          </a:p>
+          <a:p>
+            <a:pPr>
+              <a:defRPr sz="1600">
+                <a:solidFill>
+                  <a:srgbClr val="FFFFFF"/>
+                </a:solidFill>
+              </a:defRPr>
+            </a:pPr>
+          </a:p>
+          <a:p>
+            <a:pPr>
+              <a:defRPr sz="1600">
+                <a:solidFill>
+                  <a:srgbClr val="FFFFFF"/>
+                </a:solidFill>
+              </a:defRPr>
+            </a:pPr>
+            <a:r>
+              <a:t>2. Identify your Object - What you buy/source</a:t>
+            </a:r>
+          </a:p>
+          <a:p>
+            <a:pPr>
+              <a:defRPr sz="1600">
+                <a:solidFill>
+                  <a:srgbClr val="FFFFFF"/>
+                </a:solidFill>
+              </a:defRPr>
+            </a:pPr>
+          </a:p>
+          <a:p>
+            <a:pPr>
+              <a:defRPr sz="1600">
+                <a:solidFill>
+                  <a:srgbClr val="FFFFFF"/>
+                </a:solidFill>
+              </a:defRPr>
+            </a:pPr>
+            <a:r>
+              <a:t>3. Define your Outcome - What customers get</a:t>
+            </a:r>
+          </a:p>
+          <a:p>
+            <a:pPr>
+              <a:defRPr sz="1600">
+                <a:solidFill>
+                  <a:srgbClr val="FFFFFF"/>
+                </a:solidFill>
+              </a:defRPr>
+            </a:pPr>
+          </a:p>
+          <a:p>
+            <a:pPr>
+              <a:defRPr sz="1600">
+                <a:solidFill>
+                  <a:srgbClr val="FFFFFF"/>
+                </a:solidFill>
+              </a:defRPr>
+            </a:pPr>
+            <a:r>
+              <a:t>4. Clarify your Differentiator - Your unique edge</a:t>
+            </a:r>
+          </a:p>
+          <a:p>
+            <a:pPr>
+              <a:defRPr sz="1600">
+                <a:solidFill>
+                  <a:srgbClr val="FFFFFF"/>
+                </a:solidFill>
+              </a:defRPr>
+            </a:pPr>
+          </a:p>
+          <a:p>
+            <a:pPr>
+              <a:defRPr sz="1600">
+                <a:solidFill>
+                  <a:srgbClr val="FFFFFF"/>
+                </a:solidFill>
+              </a:defRPr>
+            </a:pPr>
+            <a:r>
+              <a:t>5. List Barriers to Entry - Your protection</a:t>
+            </a:r>
+          </a:p>
+          <a:p>
+            <a:pPr>
+              <a:defRPr sz="1600">
+                <a:solidFill>
+                  <a:srgbClr val="FFFFFF"/>
+                </a:solidFill>
+              </a:defRPr>
+            </a:pPr>
+          </a:p>
+          <a:p>
+            <a:pPr>
+              <a:defRPr sz="1600">
+                <a:solidFill>
+                  <a:srgbClr val="FFFFFF"/>
+                </a:solidFill>
+              </a:defRPr>
+            </a:pPr>
+            <a:r>
+              <a:t>6. Describe your Customer - Who pays</a:t>
+            </a:r>
+          </a:p>
+          <a:p>
+            <a:pPr>
+              <a:defRPr sz="1600">
+                <a:solidFill>
+                  <a:srgbClr val="FFFFFF"/>
+                </a:solidFill>
+              </a:defRPr>
+            </a:pPr>
+          </a:p>
+          <a:p>
+            <a:pPr>
+              <a:defRPr sz="1600">
+                <a:solidFill>
+                  <a:srgbClr val="FFFFFF"/>
+                </a:solidFill>
+              </a:defRPr>
+            </a:pPr>
+            <a:r>
+              <a:t>7. Map Key Activities - What you do</a:t>
+            </a:r>
+          </a:p>
+        </p:txBody>
+      </p:sp>
+    </p:spTree>
+  </p:cSld>
+  <p:clrMapOvr>
+    <a:masterClrMapping/>
+  </p:clrMapOvr>
+</p:sld>
+</file>
+
+<file path=ppt/slides/slide12.xml><?xml version="1.0" encoding="utf-8"?>
+<p:sld xmlns:a="http://schemas.openxmlformats.org/drawingml/2006/main" xmlns:p="http://schemas.openxmlformats.org/presentationml/2006/main" xmlns:r="http://schemas.openxmlformats.org/officeDocument/2006/relationships">
+  <p:cSld>
+    <p:bg>
+      <p:bgPr>
+        <a:solidFill>
+          <a:srgbClr val="101C42"/>
+        </a:solidFill>
+        <a:effectLst/>
+      </p:bgPr>
+    </p:bg>
+    <p:spTree>
+      <p:nvGrpSpPr>
+        <p:cNvPr id="1" name=""/>
+        <p:cNvGrpSpPr/>
+        <p:nvPr/>
+      </p:nvGrpSpPr>
+      <p:grpSpPr/>
+      <p:sp>
+        <p:nvSpPr>
+          <p:cNvPr id="2" name="TextBox 1"/>
           <p:cNvSpPr txBox="1"/>
           <p:nvPr/>
         </p:nvSpPr>
         <p:spPr>
           <a:xfrm>
-            <a:off x="914400" y="6217920"/>
-            <a:ext cx="7315200" cy="365760"/>
+            <a:off x="914400" y="1828800"/>
+            <a:ext cx="7315200" cy="914400"/>
           </a:xfrm>
           <a:prstGeom prst="rect">
             <a:avLst/>
@@ -4519,14 +3740,49 @@
           <a:lstStyle/>
           <a:p>
             <a:pPr algn="ctr">
-              <a:defRPr sz="1200">
-                <a:solidFill>
-                  <a:srgbClr val="FFFFFF"/>
-                </a:solidFill>
-              </a:defRPr>
-            </a:pPr>
-            <a:r>
-              <a:t>Operiva | Business-Ready Tools for South African SMMEs</a:t>
+              <a:defRPr sz="4400" b="1">
+                <a:solidFill>
+                  <a:srgbClr val="FFFFFF"/>
+                </a:solidFill>
+              </a:defRPr>
+            </a:pPr>
+            <a:r>
+              <a:t>Build Your CHAT Today</a:t>
+            </a:r>
+          </a:p>
+        </p:txBody>
+      </p:sp>
+      <p:sp>
+        <p:nvSpPr>
+          <p:cNvPr id="3" name="TextBox 2"/>
+          <p:cNvSpPr txBox="1"/>
+          <p:nvPr/>
+        </p:nvSpPr>
+        <p:spPr>
+          <a:xfrm>
+            <a:off x="914400" y="2926080"/>
+            <a:ext cx="7315200" cy="457200"/>
+          </a:xfrm>
+          <a:prstGeom prst="rect">
+            <a:avLst/>
+          </a:prstGeom>
+          <a:noFill/>
+        </p:spPr>
+        <p:txBody>
+          <a:bodyPr wrap="none">
+            <a:spAutoFit/>
+          </a:bodyPr>
+          <a:lstStyle/>
+          <a:p>
+            <a:pPr algn="ctr">
+              <a:defRPr sz="2000">
+                <a:solidFill>
+                  <a:srgbClr val="FFFFFF"/>
+                </a:solidFill>
+              </a:defRPr>
+            </a:pPr>
+            <a:r>
+              <a:t>Visualize your business model in 7 components</a:t>
             </a:r>
           </a:p>
         </p:txBody>
@@ -4542,6 +3798,14 @@
 <file path=ppt/slides/slide2.xml><?xml version="1.0" encoding="utf-8"?>
 <p:sld xmlns:a="http://schemas.openxmlformats.org/drawingml/2006/main" xmlns:p="http://schemas.openxmlformats.org/presentationml/2006/main" xmlns:r="http://schemas.openxmlformats.org/officeDocument/2006/relationships">
   <p:cSld>
+    <p:bg>
+      <p:bgPr>
+        <a:solidFill>
+          <a:srgbClr val="101C42"/>
+        </a:solidFill>
+        <a:effectLst/>
+      </p:bgPr>
+    </p:bg>
     <p:spTree>
       <p:nvGrpSpPr>
         <p:cNvPr id="1" name=""/>
@@ -4557,31 +3821,29 @@
         </p:nvSpPr>
         <p:spPr>
           <a:xfrm>
-            <a:off x="0" y="0"/>
-            <a:ext cx="9144000" cy="731520"/>
+            <a:off x="914400" y="1828800"/>
+            <a:ext cx="7315200" cy="914400"/>
           </a:xfrm>
           <a:prstGeom prst="rect">
             <a:avLst/>
           </a:prstGeom>
-          <a:solidFill>
-            <a:srgbClr val="101C42"/>
-          </a:solidFill>
-        </p:spPr>
-        <p:txBody>
-          <a:bodyPr wrap="none" anchor="ctr" lIns="457200">
+          <a:noFill/>
+        </p:spPr>
+        <p:txBody>
+          <a:bodyPr wrap="none">
             <a:spAutoFit/>
           </a:bodyPr>
           <a:lstStyle/>
           <a:p>
-            <a:pPr>
-              <a:defRPr sz="2800" b="1">
-                <a:solidFill>
-                  <a:srgbClr val="FFFFFF"/>
-                </a:solidFill>
-              </a:defRPr>
-            </a:pPr>
-            <a:r>
-              <a:t>What is the CHAT Framework?</a:t>
+            <a:pPr algn="ctr">
+              <a:defRPr sz="4400" b="1">
+                <a:solidFill>
+                  <a:srgbClr val="FFFFFF"/>
+                </a:solidFill>
+              </a:defRPr>
+            </a:pPr>
+            <a:r>
+              <a:t>The CHAT Triangle</a:t>
             </a:r>
           </a:p>
         </p:txBody>
@@ -4594,8 +3856,8 @@
         </p:nvSpPr>
         <p:spPr>
           <a:xfrm>
-            <a:off x="731520" y="1371600"/>
-            <a:ext cx="7680960" cy="5029200"/>
+            <a:off x="914400" y="2926080"/>
+            <a:ext cx="7315200" cy="457200"/>
           </a:xfrm>
           <a:prstGeom prst="rect">
             <a:avLst/>
@@ -4603,110 +3865,20 @@
           <a:noFill/>
         </p:spPr>
         <p:txBody>
-          <a:bodyPr wrap="square">
+          <a:bodyPr wrap="none">
             <a:spAutoFit/>
           </a:bodyPr>
           <a:lstStyle/>
-          <a:p/>
-          <a:p>
-            <a:pPr>
-              <a:spcBef>
-                <a:spcPts val="1200"/>
-              </a:spcBef>
-              <a:defRPr sz="1800"/>
-            </a:pPr>
-            <a:r>
-              <a:t>CHAT is a business model visualization tool based on Activity Theory</a:t>
-            </a:r>
-          </a:p>
-          <a:p>
-            <a:pPr>
-              <a:spcBef>
-                <a:spcPts val="1200"/>
-              </a:spcBef>
-              <a:defRPr sz="1800"/>
-            </a:pPr>
-          </a:p>
-          <a:p>
-            <a:pPr>
-              <a:spcBef>
-                <a:spcPts val="1200"/>
-              </a:spcBef>
-              <a:defRPr sz="1800"/>
-            </a:pPr>
-            <a:r>
-              <a:t>Developed by: Vygotsky, Leont'ev, and Engeström</a:t>
-            </a:r>
-          </a:p>
-          <a:p>
-            <a:pPr>
-              <a:spcBef>
-                <a:spcPts val="1200"/>
-              </a:spcBef>
-              <a:defRPr sz="1800"/>
-            </a:pPr>
-          </a:p>
-          <a:p>
-            <a:pPr>
-              <a:spcBef>
-                <a:spcPts val="1200"/>
-              </a:spcBef>
-              <a:defRPr sz="1800"/>
-            </a:pPr>
-            <a:r>
-              <a:t>Purpose: Help you understand how your business creates value</a:t>
-            </a:r>
-          </a:p>
-          <a:p>
-            <a:pPr>
-              <a:spcBef>
-                <a:spcPts val="1200"/>
-              </a:spcBef>
-              <a:defRPr sz="1800"/>
-            </a:pPr>
-          </a:p>
-          <a:p>
-            <a:pPr>
-              <a:spcBef>
-                <a:spcPts val="1200"/>
-              </a:spcBef>
-              <a:defRPr sz="1800"/>
-            </a:pPr>
-            <a:r>
-              <a:t>Key Difference from BMC:</a:t>
-            </a:r>
-          </a:p>
-          <a:p>
-            <a:pPr>
-              <a:spcBef>
-                <a:spcPts val="1200"/>
-              </a:spcBef>
-              <a:defRPr sz="1800"/>
-            </a:pPr>
-            <a:r>
-              <a:t>  • More narrative-driven and relationship-focused</a:t>
-            </a:r>
-          </a:p>
-          <a:p>
-            <a:pPr>
-              <a:spcBef>
-                <a:spcPts val="1200"/>
-              </a:spcBef>
-              <a:defRPr sz="1800"/>
-            </a:pPr>
-            <a:r>
-              <a:t>  • 7 interconnected components instead of 9 blocks</a:t>
-            </a:r>
-          </a:p>
-          <a:p>
-            <a:pPr>
-              <a:spcBef>
-                <a:spcPts val="1200"/>
-              </a:spcBef>
-              <a:defRPr sz="1800"/>
-            </a:pPr>
-            <a:r>
-              <a:t>  • Visual triangle format that tells a story</a:t>
+          <a:p>
+            <a:pPr algn="ctr">
+              <a:defRPr sz="2000">
+                <a:solidFill>
+                  <a:srgbClr val="FFFFFF"/>
+                </a:solidFill>
+              </a:defRPr>
+            </a:pPr>
+            <a:r>
+              <a:t>7 Components of Your Business Model</a:t>
             </a:r>
           </a:p>
         </p:txBody>
@@ -4722,6 +3894,14 @@
 <file path=ppt/slides/slide3.xml><?xml version="1.0" encoding="utf-8"?>
 <p:sld xmlns:a="http://schemas.openxmlformats.org/drawingml/2006/main" xmlns:p="http://schemas.openxmlformats.org/presentationml/2006/main" xmlns:r="http://schemas.openxmlformats.org/officeDocument/2006/relationships">
   <p:cSld>
+    <p:bg>
+      <p:bgPr>
+        <a:solidFill>
+          <a:srgbClr val="FFFFFF"/>
+        </a:solidFill>
+        <a:effectLst/>
+      </p:bgPr>
+    </p:bg>
     <p:spTree>
       <p:nvGrpSpPr>
         <p:cNvPr id="1" name=""/>
@@ -4737,333 +3917,593 @@
         </p:nvSpPr>
         <p:spPr>
           <a:xfrm>
-            <a:off x="0" y="0"/>
-            <a:ext cx="9144000" cy="731520"/>
+            <a:off x="457200" y="274320"/>
+            <a:ext cx="8229600" cy="548640"/>
           </a:xfrm>
           <a:prstGeom prst="rect">
             <a:avLst/>
           </a:prstGeom>
-          <a:solidFill>
-            <a:srgbClr val="101C42"/>
-          </a:solidFill>
-        </p:spPr>
-        <p:txBody>
-          <a:bodyPr wrap="none" anchor="ctr" lIns="457200">
+          <a:noFill/>
+        </p:spPr>
+        <p:txBody>
+          <a:bodyPr wrap="none">
             <a:spAutoFit/>
           </a:bodyPr>
           <a:lstStyle/>
           <a:p>
             <a:pPr>
-              <a:defRPr sz="2800" b="1">
-                <a:solidFill>
-                  <a:srgbClr val="FFFFFF"/>
-                </a:solidFill>
-              </a:defRPr>
-            </a:pPr>
-            <a:r>
-              <a:t>The 7 Components of CHAT</a:t>
-            </a:r>
-          </a:p>
-        </p:txBody>
-      </p:sp>
-      <p:graphicFrame>
-        <p:nvGraphicFramePr>
-          <p:cNvPr id="3" name="Table 2"/>
-          <p:cNvGraphicFramePr>
-            <a:graphicFrameLocks noGrp="1"/>
-          </p:cNvGraphicFramePr>
+              <a:defRPr sz="3200" b="1">
+                <a:solidFill>
+                  <a:srgbClr val="101C42"/>
+                </a:solidFill>
+              </a:defRPr>
+            </a:pPr>
+            <a:r>
+              <a:t>The CHAT Framework</a:t>
+            </a:r>
+          </a:p>
+        </p:txBody>
+      </p:sp>
+      <p:sp>
+        <p:nvSpPr>
+          <p:cNvPr id="3" name="Oval 2"/>
+          <p:cNvSpPr/>
           <p:nvPr/>
-        </p:nvGraphicFramePr>
-        <p:xfrm>
-          <a:off x="457200" y="1371600"/>
-          <a:ext cx="8229600" cy="4572000"/>
-        </p:xfrm>
-        <a:graphic>
-          <a:graphicData uri="http://schemas.openxmlformats.org/drawingml/2006/table">
-            <a:tbl>
-              <a:tblPr firstRow="1" bandRow="1">
-                <a:tableStyleId>{5C22544A-7EE6-4342-B048-85BDC9FD1C3A}</a:tableStyleId>
-              </a:tblPr>
-              <a:tblGrid>
-                <a:gridCol w="4114800"/>
-                <a:gridCol w="4114800"/>
-              </a:tblGrid>
-              <a:tr h="571500">
-                <a:tc>
-                  <a:txBody>
-                    <a:bodyPr/>
-                    <a:lstStyle/>
-                    <a:p>
-                      <a:pPr>
-                        <a:defRPr sz="1400" b="1">
-                          <a:solidFill>
-                            <a:srgbClr val="FFFFFF"/>
-                          </a:solidFill>
-                        </a:defRPr>
-                      </a:pPr>
-                      <a:r>
-                        <a:t>Component</a:t>
-                      </a:r>
-                    </a:p>
-                  </a:txBody>
-                  <a:tcPr>
-                    <a:solidFill>
-                      <a:srgbClr val="4472C4"/>
-                    </a:solidFill>
-                  </a:tcPr>
-                </a:tc>
-                <a:tc>
-                  <a:txBody>
-                    <a:bodyPr/>
-                    <a:lstStyle/>
-                    <a:p>
-                      <a:pPr>
-                        <a:defRPr sz="1400" b="1">
-                          <a:solidFill>
-                            <a:srgbClr val="FFFFFF"/>
-                          </a:solidFill>
-                        </a:defRPr>
-                      </a:pPr>
-                      <a:r>
-                        <a:t>Core Question</a:t>
-                      </a:r>
-                    </a:p>
-                  </a:txBody>
-                  <a:tcPr>
-                    <a:solidFill>
-                      <a:srgbClr val="4472C4"/>
-                    </a:solidFill>
-                  </a:tcPr>
-                </a:tc>
-              </a:tr>
-              <a:tr h="571500">
-                <a:tc>
-                  <a:txBody>
-                    <a:bodyPr/>
-                    <a:lstStyle/>
-                    <a:p>
-                      <a:pPr>
-                        <a:defRPr sz="1200"/>
-                      </a:pPr>
-                      <a:r>
-                        <a:t>1. Subject</a:t>
-                      </a:r>
-                    </a:p>
-                  </a:txBody>
-                  <a:tcPr/>
-                </a:tc>
-                <a:tc>
-                  <a:txBody>
-                    <a:bodyPr/>
-                    <a:lstStyle/>
-                    <a:p>
-                      <a:pPr>
-                        <a:defRPr sz="1200"/>
-                      </a:pPr>
-                      <a:r>
-                        <a:t>Who are you?</a:t>
-                      </a:r>
-                    </a:p>
-                  </a:txBody>
-                  <a:tcPr/>
-                </a:tc>
-              </a:tr>
-              <a:tr h="571500">
-                <a:tc>
-                  <a:txBody>
-                    <a:bodyPr/>
-                    <a:lstStyle/>
-                    <a:p>
-                      <a:pPr>
-                        <a:defRPr sz="1200"/>
-                      </a:pPr>
-                      <a:r>
-                        <a:t>2. Object</a:t>
-                      </a:r>
-                    </a:p>
-                  </a:txBody>
-                  <a:tcPr/>
-                </a:tc>
-                <a:tc>
-                  <a:txBody>
-                    <a:bodyPr/>
-                    <a:lstStyle/>
-                    <a:p>
-                      <a:pPr>
-                        <a:defRPr sz="1200"/>
-                      </a:pPr>
-                      <a:r>
-                        <a:t>What do you have?</a:t>
-                      </a:r>
-                    </a:p>
-                  </a:txBody>
-                  <a:tcPr/>
-                </a:tc>
-              </a:tr>
-              <a:tr h="571500">
-                <a:tc>
-                  <a:txBody>
-                    <a:bodyPr/>
-                    <a:lstStyle/>
-                    <a:p>
-                      <a:pPr>
-                        <a:defRPr sz="1200"/>
-                      </a:pPr>
-                      <a:r>
-                        <a:t>3. Outcome</a:t>
-                      </a:r>
-                    </a:p>
-                  </a:txBody>
-                  <a:tcPr/>
-                </a:tc>
-                <a:tc>
-                  <a:txBody>
-                    <a:bodyPr/>
-                    <a:lstStyle/>
-                    <a:p>
-                      <a:pPr>
-                        <a:defRPr sz="1200"/>
-                      </a:pPr>
-                      <a:r>
-                        <a:t>What do you produce?</a:t>
-                      </a:r>
-                    </a:p>
-                  </a:txBody>
-                  <a:tcPr/>
-                </a:tc>
-              </a:tr>
-              <a:tr h="571500">
-                <a:tc>
-                  <a:txBody>
-                    <a:bodyPr/>
-                    <a:lstStyle/>
-                    <a:p>
-                      <a:pPr>
-                        <a:defRPr sz="1200"/>
-                      </a:pPr>
-                      <a:r>
-                        <a:t>4. Differentiator</a:t>
-                      </a:r>
-                    </a:p>
-                  </a:txBody>
-                  <a:tcPr/>
-                </a:tc>
-                <a:tc>
-                  <a:txBody>
-                    <a:bodyPr/>
-                    <a:lstStyle/>
-                    <a:p>
-                      <a:pPr>
-                        <a:defRPr sz="1200"/>
-                      </a:pPr>
-                      <a:r>
-                        <a:t>What makes you unique?</a:t>
-                      </a:r>
-                    </a:p>
-                  </a:txBody>
-                  <a:tcPr/>
-                </a:tc>
-              </a:tr>
-              <a:tr h="571500">
-                <a:tc>
-                  <a:txBody>
-                    <a:bodyPr/>
-                    <a:lstStyle/>
-                    <a:p>
-                      <a:pPr>
-                        <a:defRPr sz="1200"/>
-                      </a:pPr>
-                      <a:r>
-                        <a:t>5. Barriers to Entry</a:t>
-                      </a:r>
-                    </a:p>
-                  </a:txBody>
-                  <a:tcPr/>
-                </a:tc>
-                <a:tc>
-                  <a:txBody>
-                    <a:bodyPr/>
-                    <a:lstStyle/>
-                    <a:p>
-                      <a:pPr>
-                        <a:defRPr sz="1200"/>
-                      </a:pPr>
-                      <a:r>
-                        <a:t>What protects you?</a:t>
-                      </a:r>
-                    </a:p>
-                  </a:txBody>
-                  <a:tcPr/>
-                </a:tc>
-              </a:tr>
-              <a:tr h="571500">
-                <a:tc>
-                  <a:txBody>
-                    <a:bodyPr/>
-                    <a:lstStyle/>
-                    <a:p>
-                      <a:pPr>
-                        <a:defRPr sz="1200"/>
-                      </a:pPr>
-                      <a:r>
-                        <a:t>6. Customer</a:t>
-                      </a:r>
-                    </a:p>
-                  </a:txBody>
-                  <a:tcPr/>
-                </a:tc>
-                <a:tc>
-                  <a:txBody>
-                    <a:bodyPr/>
-                    <a:lstStyle/>
-                    <a:p>
-                      <a:pPr>
-                        <a:defRPr sz="1200"/>
-                      </a:pPr>
-                      <a:r>
-                        <a:t>Who do you serve?</a:t>
-                      </a:r>
-                    </a:p>
-                  </a:txBody>
-                  <a:tcPr/>
-                </a:tc>
-              </a:tr>
-              <a:tr h="571500">
-                <a:tc>
-                  <a:txBody>
-                    <a:bodyPr/>
-                    <a:lstStyle/>
-                    <a:p>
-                      <a:pPr>
-                        <a:defRPr sz="1200"/>
-                      </a:pPr>
-                      <a:r>
-                        <a:t>7. Key Activities</a:t>
-                      </a:r>
-                    </a:p>
-                  </a:txBody>
-                  <a:tcPr/>
-                </a:tc>
-                <a:tc>
-                  <a:txBody>
-                    <a:bodyPr/>
-                    <a:lstStyle/>
-                    <a:p>
-                      <a:pPr>
-                        <a:defRPr sz="1200"/>
-                      </a:pPr>
-                      <a:r>
-                        <a:t>How do you do it?</a:t>
-                      </a:r>
-                    </a:p>
-                  </a:txBody>
-                  <a:tcPr/>
-                </a:tc>
-              </a:tr>
-            </a:tbl>
-          </a:graphicData>
-        </a:graphic>
-      </p:graphicFrame>
+        </p:nvSpPr>
+        <p:spPr>
+          <a:xfrm>
+            <a:off x="3840480" y="1097280"/>
+            <a:ext cx="1463040" cy="1463040"/>
+          </a:xfrm>
+          <a:prstGeom prst="ellipse">
+            <a:avLst/>
+          </a:prstGeom>
+          <a:solidFill>
+            <a:srgbClr val="27AE60"/>
+          </a:solidFill>
+          <a:ln w="38100">
+            <a:solidFill>
+              <a:srgbClr val="101C42"/>
+            </a:solidFill>
+          </a:ln>
+        </p:spPr>
+        <p:style>
+          <a:lnRef idx="1">
+            <a:schemeClr val="accent1"/>
+          </a:lnRef>
+          <a:fillRef idx="3">
+            <a:schemeClr val="accent1"/>
+          </a:fillRef>
+          <a:effectRef idx="2">
+            <a:schemeClr val="accent1"/>
+          </a:effectRef>
+          <a:fontRef idx="minor">
+            <a:schemeClr val="lt1"/>
+          </a:fontRef>
+        </p:style>
+        <p:txBody>
+          <a:bodyPr rtlCol="0" anchor="ctr"/>
+          <a:lstStyle/>
+          <a:p>
+            <a:pPr algn="ctr"/>
+          </a:p>
+        </p:txBody>
+      </p:sp>
+      <p:sp>
+        <p:nvSpPr>
+          <p:cNvPr id="4" name="TextBox 3"/>
+          <p:cNvSpPr txBox="1"/>
+          <p:nvPr/>
+        </p:nvSpPr>
+        <p:spPr>
+          <a:xfrm>
+            <a:off x="3840480" y="1554480"/>
+            <a:ext cx="1463040" cy="548640"/>
+          </a:xfrm>
+          <a:prstGeom prst="rect">
+            <a:avLst/>
+          </a:prstGeom>
+          <a:noFill/>
+        </p:spPr>
+        <p:txBody>
+          <a:bodyPr wrap="none">
+            <a:spAutoFit/>
+          </a:bodyPr>
+          <a:lstStyle/>
+          <a:p>
+            <a:pPr algn="ctr">
+              <a:defRPr sz="1600" b="1">
+                <a:solidFill>
+                  <a:srgbClr val="FFFFFF"/>
+                </a:solidFill>
+              </a:defRPr>
+            </a:pPr>
+            <a:r>
+              <a:t>Outcome</a:t>
+            </a:r>
+          </a:p>
+        </p:txBody>
+      </p:sp>
+      <p:sp>
+        <p:nvSpPr>
+          <p:cNvPr id="5" name="Oval 4"/>
+          <p:cNvSpPr/>
+          <p:nvPr/>
+        </p:nvSpPr>
+        <p:spPr>
+          <a:xfrm>
+            <a:off x="1371600" y="3200400"/>
+            <a:ext cx="1463040" cy="1463040"/>
+          </a:xfrm>
+          <a:prstGeom prst="ellipse">
+            <a:avLst/>
+          </a:prstGeom>
+          <a:solidFill>
+            <a:srgbClr val="2980B9"/>
+          </a:solidFill>
+          <a:ln w="38100">
+            <a:solidFill>
+              <a:srgbClr val="101C42"/>
+            </a:solidFill>
+          </a:ln>
+        </p:spPr>
+        <p:style>
+          <a:lnRef idx="1">
+            <a:schemeClr val="accent1"/>
+          </a:lnRef>
+          <a:fillRef idx="3">
+            <a:schemeClr val="accent1"/>
+          </a:fillRef>
+          <a:effectRef idx="2">
+            <a:schemeClr val="accent1"/>
+          </a:effectRef>
+          <a:fontRef idx="minor">
+            <a:schemeClr val="lt1"/>
+          </a:fontRef>
+        </p:style>
+        <p:txBody>
+          <a:bodyPr rtlCol="0" anchor="ctr"/>
+          <a:lstStyle/>
+          <a:p>
+            <a:pPr algn="ctr"/>
+          </a:p>
+        </p:txBody>
+      </p:sp>
+      <p:sp>
+        <p:nvSpPr>
+          <p:cNvPr id="6" name="TextBox 5"/>
+          <p:cNvSpPr txBox="1"/>
+          <p:nvPr/>
+        </p:nvSpPr>
+        <p:spPr>
+          <a:xfrm>
+            <a:off x="1371600" y="3657600"/>
+            <a:ext cx="1463040" cy="548640"/>
+          </a:xfrm>
+          <a:prstGeom prst="rect">
+            <a:avLst/>
+          </a:prstGeom>
+          <a:noFill/>
+        </p:spPr>
+        <p:txBody>
+          <a:bodyPr wrap="none">
+            <a:spAutoFit/>
+          </a:bodyPr>
+          <a:lstStyle/>
+          <a:p>
+            <a:pPr algn="ctr">
+              <a:defRPr sz="1600" b="1">
+                <a:solidFill>
+                  <a:srgbClr val="FFFFFF"/>
+                </a:solidFill>
+              </a:defRPr>
+            </a:pPr>
+            <a:r>
+              <a:t>Subject</a:t>
+            </a:r>
+          </a:p>
+        </p:txBody>
+      </p:sp>
+      <p:sp>
+        <p:nvSpPr>
+          <p:cNvPr id="7" name="Oval 6"/>
+          <p:cNvSpPr/>
+          <p:nvPr/>
+        </p:nvSpPr>
+        <p:spPr>
+          <a:xfrm>
+            <a:off x="6309360" y="3200400"/>
+            <a:ext cx="1463040" cy="1463040"/>
+          </a:xfrm>
+          <a:prstGeom prst="ellipse">
+            <a:avLst/>
+          </a:prstGeom>
+          <a:solidFill>
+            <a:srgbClr val="9B59B6"/>
+          </a:solidFill>
+          <a:ln w="38100">
+            <a:solidFill>
+              <a:srgbClr val="101C42"/>
+            </a:solidFill>
+          </a:ln>
+        </p:spPr>
+        <p:style>
+          <a:lnRef idx="1">
+            <a:schemeClr val="accent1"/>
+          </a:lnRef>
+          <a:fillRef idx="3">
+            <a:schemeClr val="accent1"/>
+          </a:fillRef>
+          <a:effectRef idx="2">
+            <a:schemeClr val="accent1"/>
+          </a:effectRef>
+          <a:fontRef idx="minor">
+            <a:schemeClr val="lt1"/>
+          </a:fontRef>
+        </p:style>
+        <p:txBody>
+          <a:bodyPr rtlCol="0" anchor="ctr"/>
+          <a:lstStyle/>
+          <a:p>
+            <a:pPr algn="ctr"/>
+          </a:p>
+        </p:txBody>
+      </p:sp>
+      <p:sp>
+        <p:nvSpPr>
+          <p:cNvPr id="8" name="TextBox 7"/>
+          <p:cNvSpPr txBox="1"/>
+          <p:nvPr/>
+        </p:nvSpPr>
+        <p:spPr>
+          <a:xfrm>
+            <a:off x="6309360" y="3657600"/>
+            <a:ext cx="1463040" cy="548640"/>
+          </a:xfrm>
+          <a:prstGeom prst="rect">
+            <a:avLst/>
+          </a:prstGeom>
+          <a:noFill/>
+        </p:spPr>
+        <p:txBody>
+          <a:bodyPr wrap="none">
+            <a:spAutoFit/>
+          </a:bodyPr>
+          <a:lstStyle/>
+          <a:p>
+            <a:pPr algn="ctr">
+              <a:defRPr sz="1600" b="1">
+                <a:solidFill>
+                  <a:srgbClr val="FFFFFF"/>
+                </a:solidFill>
+              </a:defRPr>
+            </a:pPr>
+            <a:r>
+              <a:t>Customer</a:t>
+            </a:r>
+          </a:p>
+        </p:txBody>
+      </p:sp>
+      <p:sp>
+        <p:nvSpPr>
+          <p:cNvPr id="9" name="Rounded Rectangle 8"/>
+          <p:cNvSpPr/>
+          <p:nvPr/>
+        </p:nvSpPr>
+        <p:spPr>
+          <a:xfrm>
+            <a:off x="2286000" y="2286000"/>
+            <a:ext cx="1188720" cy="548640"/>
+          </a:xfrm>
+          <a:prstGeom prst="roundRect">
+            <a:avLst/>
+          </a:prstGeom>
+          <a:solidFill>
+            <a:srgbClr val="F39C12"/>
+          </a:solidFill>
+          <a:ln w="25400">
+            <a:solidFill>
+              <a:srgbClr val="101C42"/>
+            </a:solidFill>
+          </a:ln>
+        </p:spPr>
+        <p:style>
+          <a:lnRef idx="1">
+            <a:schemeClr val="accent1"/>
+          </a:lnRef>
+          <a:fillRef idx="3">
+            <a:schemeClr val="accent1"/>
+          </a:fillRef>
+          <a:effectRef idx="2">
+            <a:schemeClr val="accent1"/>
+          </a:effectRef>
+          <a:fontRef idx="minor">
+            <a:schemeClr val="lt1"/>
+          </a:fontRef>
+        </p:style>
+        <p:txBody>
+          <a:bodyPr rtlCol="0" anchor="ctr"/>
+          <a:lstStyle/>
+          <a:p>
+            <a:pPr algn="ctr"/>
+          </a:p>
+        </p:txBody>
+      </p:sp>
+      <p:sp>
+        <p:nvSpPr>
+          <p:cNvPr id="10" name="TextBox 9"/>
+          <p:cNvSpPr txBox="1"/>
+          <p:nvPr/>
+        </p:nvSpPr>
+        <p:spPr>
+          <a:xfrm>
+            <a:off x="2286000" y="2377440"/>
+            <a:ext cx="1188720" cy="365760"/>
+          </a:xfrm>
+          <a:prstGeom prst="rect">
+            <a:avLst/>
+          </a:prstGeom>
+          <a:noFill/>
+        </p:spPr>
+        <p:txBody>
+          <a:bodyPr wrap="none">
+            <a:spAutoFit/>
+          </a:bodyPr>
+          <a:lstStyle/>
+          <a:p>
+            <a:pPr algn="ctr">
+              <a:defRPr sz="1400" b="1">
+                <a:solidFill>
+                  <a:srgbClr val="FFFFFF"/>
+                </a:solidFill>
+              </a:defRPr>
+            </a:pPr>
+            <a:r>
+              <a:t>Object</a:t>
+            </a:r>
+          </a:p>
+        </p:txBody>
+      </p:sp>
+      <p:sp>
+        <p:nvSpPr>
+          <p:cNvPr id="11" name="Rounded Rectangle 10"/>
+          <p:cNvSpPr/>
+          <p:nvPr/>
+        </p:nvSpPr>
+        <p:spPr>
+          <a:xfrm>
+            <a:off x="5669280" y="2286000"/>
+            <a:ext cx="1371600" cy="548640"/>
+          </a:xfrm>
+          <a:prstGeom prst="roundRect">
+            <a:avLst/>
+          </a:prstGeom>
+          <a:solidFill>
+            <a:srgbClr val="F1C40F"/>
+          </a:solidFill>
+          <a:ln w="25400">
+            <a:solidFill>
+              <a:srgbClr val="101C42"/>
+            </a:solidFill>
+          </a:ln>
+        </p:spPr>
+        <p:style>
+          <a:lnRef idx="1">
+            <a:schemeClr val="accent1"/>
+          </a:lnRef>
+          <a:fillRef idx="3">
+            <a:schemeClr val="accent1"/>
+          </a:fillRef>
+          <a:effectRef idx="2">
+            <a:schemeClr val="accent1"/>
+          </a:effectRef>
+          <a:fontRef idx="minor">
+            <a:schemeClr val="lt1"/>
+          </a:fontRef>
+        </p:style>
+        <p:txBody>
+          <a:bodyPr rtlCol="0" anchor="ctr"/>
+          <a:lstStyle/>
+          <a:p>
+            <a:pPr algn="ctr"/>
+          </a:p>
+        </p:txBody>
+      </p:sp>
+      <p:sp>
+        <p:nvSpPr>
+          <p:cNvPr id="12" name="TextBox 11"/>
+          <p:cNvSpPr txBox="1"/>
+          <p:nvPr/>
+        </p:nvSpPr>
+        <p:spPr>
+          <a:xfrm>
+            <a:off x="5669280" y="2377440"/>
+            <a:ext cx="1371600" cy="365760"/>
+          </a:xfrm>
+          <a:prstGeom prst="rect">
+            <a:avLst/>
+          </a:prstGeom>
+          <a:noFill/>
+        </p:spPr>
+        <p:txBody>
+          <a:bodyPr wrap="none">
+            <a:spAutoFit/>
+          </a:bodyPr>
+          <a:lstStyle/>
+          <a:p>
+            <a:pPr algn="ctr">
+              <a:defRPr sz="1200" b="1">
+                <a:solidFill>
+                  <a:srgbClr val="101C42"/>
+                </a:solidFill>
+              </a:defRPr>
+            </a:pPr>
+            <a:r>
+              <a:t>Differentiator</a:t>
+            </a:r>
+          </a:p>
+        </p:txBody>
+      </p:sp>
+      <p:sp>
+        <p:nvSpPr>
+          <p:cNvPr id="13" name="Rounded Rectangle 12"/>
+          <p:cNvSpPr/>
+          <p:nvPr/>
+        </p:nvSpPr>
+        <p:spPr>
+          <a:xfrm>
+            <a:off x="3840480" y="2926080"/>
+            <a:ext cx="1463040" cy="548640"/>
+          </a:xfrm>
+          <a:prstGeom prst="roundRect">
+            <a:avLst/>
+          </a:prstGeom>
+          <a:solidFill>
+            <a:srgbClr val="E74C3C"/>
+          </a:solidFill>
+          <a:ln w="25400">
+            <a:solidFill>
+              <a:srgbClr val="101C42"/>
+            </a:solidFill>
+          </a:ln>
+        </p:spPr>
+        <p:style>
+          <a:lnRef idx="1">
+            <a:schemeClr val="accent1"/>
+          </a:lnRef>
+          <a:fillRef idx="3">
+            <a:schemeClr val="accent1"/>
+          </a:fillRef>
+          <a:effectRef idx="2">
+            <a:schemeClr val="accent1"/>
+          </a:effectRef>
+          <a:fontRef idx="minor">
+            <a:schemeClr val="lt1"/>
+          </a:fontRef>
+        </p:style>
+        <p:txBody>
+          <a:bodyPr rtlCol="0" anchor="ctr"/>
+          <a:lstStyle/>
+          <a:p>
+            <a:pPr algn="ctr"/>
+          </a:p>
+        </p:txBody>
+      </p:sp>
+      <p:sp>
+        <p:nvSpPr>
+          <p:cNvPr id="14" name="TextBox 13"/>
+          <p:cNvSpPr txBox="1"/>
+          <p:nvPr/>
+        </p:nvSpPr>
+        <p:spPr>
+          <a:xfrm>
+            <a:off x="3840480" y="3017520"/>
+            <a:ext cx="1463040" cy="365760"/>
+          </a:xfrm>
+          <a:prstGeom prst="rect">
+            <a:avLst/>
+          </a:prstGeom>
+          <a:noFill/>
+        </p:spPr>
+        <p:txBody>
+          <a:bodyPr wrap="none">
+            <a:spAutoFit/>
+          </a:bodyPr>
+          <a:lstStyle/>
+          <a:p>
+            <a:pPr algn="ctr">
+              <a:defRPr sz="1200" b="1">
+                <a:solidFill>
+                  <a:srgbClr val="FFFFFF"/>
+                </a:solidFill>
+              </a:defRPr>
+            </a:pPr>
+            <a:r>
+              <a:t>Key Activities</a:t>
+            </a:r>
+          </a:p>
+        </p:txBody>
+      </p:sp>
+      <p:sp>
+        <p:nvSpPr>
+          <p:cNvPr id="15" name="Rounded Rectangle 14"/>
+          <p:cNvSpPr/>
+          <p:nvPr/>
+        </p:nvSpPr>
+        <p:spPr>
+          <a:xfrm>
+            <a:off x="3840480" y="3657600"/>
+            <a:ext cx="1463040" cy="548640"/>
+          </a:xfrm>
+          <a:prstGeom prst="roundRect">
+            <a:avLst/>
+          </a:prstGeom>
+          <a:solidFill>
+            <a:srgbClr val="34495E"/>
+          </a:solidFill>
+          <a:ln w="25400">
+            <a:solidFill>
+              <a:srgbClr val="101C42"/>
+            </a:solidFill>
+          </a:ln>
+        </p:spPr>
+        <p:style>
+          <a:lnRef idx="1">
+            <a:schemeClr val="accent1"/>
+          </a:lnRef>
+          <a:fillRef idx="3">
+            <a:schemeClr val="accent1"/>
+          </a:fillRef>
+          <a:effectRef idx="2">
+            <a:schemeClr val="accent1"/>
+          </a:effectRef>
+          <a:fontRef idx="minor">
+            <a:schemeClr val="lt1"/>
+          </a:fontRef>
+        </p:style>
+        <p:txBody>
+          <a:bodyPr rtlCol="0" anchor="ctr"/>
+          <a:lstStyle/>
+          <a:p>
+            <a:pPr algn="ctr"/>
+          </a:p>
+        </p:txBody>
+      </p:sp>
+      <p:sp>
+        <p:nvSpPr>
+          <p:cNvPr id="16" name="TextBox 15"/>
+          <p:cNvSpPr txBox="1"/>
+          <p:nvPr/>
+        </p:nvSpPr>
+        <p:spPr>
+          <a:xfrm>
+            <a:off x="3840480" y="3749039"/>
+            <a:ext cx="1463040" cy="365760"/>
+          </a:xfrm>
+          <a:prstGeom prst="rect">
+            <a:avLst/>
+          </a:prstGeom>
+          <a:noFill/>
+        </p:spPr>
+        <p:txBody>
+          <a:bodyPr wrap="none">
+            <a:spAutoFit/>
+          </a:bodyPr>
+          <a:lstStyle/>
+          <a:p>
+            <a:pPr algn="ctr">
+              <a:defRPr sz="1100" b="1">
+                <a:solidFill>
+                  <a:srgbClr val="FFFFFF"/>
+                </a:solidFill>
+              </a:defRPr>
+            </a:pPr>
+            <a:r>
+              <a:t>Barriers to Entry</a:t>
+            </a:r>
+          </a:p>
+        </p:txBody>
+      </p:sp>
     </p:spTree>
   </p:cSld>
   <p:clrMapOvr>
@@ -5075,6 +4515,14 @@
 <file path=ppt/slides/slide4.xml><?xml version="1.0" encoding="utf-8"?>
 <p:sld xmlns:a="http://schemas.openxmlformats.org/drawingml/2006/main" xmlns:p="http://schemas.openxmlformats.org/presentationml/2006/main" xmlns:r="http://schemas.openxmlformats.org/officeDocument/2006/relationships">
   <p:cSld>
+    <p:bg>
+      <p:bgPr>
+        <a:solidFill>
+          <a:srgbClr val="101C42"/>
+        </a:solidFill>
+        <a:effectLst/>
+      </p:bgPr>
+    </p:bg>
     <p:spTree>
       <p:nvGrpSpPr>
         <p:cNvPr id="1" name=""/>
@@ -5084,38 +4532,46 @@
       <p:grpSpPr/>
       <p:sp>
         <p:nvSpPr>
-          <p:cNvPr id="2" name="TextBox 1"/>
-          <p:cNvSpPr txBox="1"/>
+          <p:cNvPr id="2" name="Oval 1"/>
+          <p:cNvSpPr/>
           <p:nvPr/>
         </p:nvSpPr>
         <p:spPr>
           <a:xfrm>
-            <a:off x="0" y="0"/>
-            <a:ext cx="9144000" cy="731520"/>
-          </a:xfrm>
-          <a:prstGeom prst="rect">
+            <a:off x="640080" y="1371600"/>
+            <a:ext cx="1828800" cy="1828800"/>
+          </a:xfrm>
+          <a:prstGeom prst="ellipse">
             <a:avLst/>
           </a:prstGeom>
           <a:solidFill>
-            <a:srgbClr val="101C42"/>
+            <a:srgbClr val="2980B9"/>
           </a:solidFill>
-        </p:spPr>
-        <p:txBody>
-          <a:bodyPr wrap="none" anchor="ctr" lIns="457200">
-            <a:spAutoFit/>
-          </a:bodyPr>
-          <a:lstStyle/>
-          <a:p>
-            <a:pPr>
-              <a:defRPr sz="2800" b="1">
-                <a:solidFill>
-                  <a:srgbClr val="FFFFFF"/>
-                </a:solidFill>
-              </a:defRPr>
-            </a:pPr>
-            <a:r>
-              <a:t>Component 1: The Subject</a:t>
-            </a:r>
+          <a:ln>
+            <a:solidFill>
+              <a:srgbClr val="2980B9"/>
+            </a:solidFill>
+          </a:ln>
+        </p:spPr>
+        <p:style>
+          <a:lnRef idx="1">
+            <a:schemeClr val="accent1"/>
+          </a:lnRef>
+          <a:fillRef idx="3">
+            <a:schemeClr val="accent1"/>
+          </a:fillRef>
+          <a:effectRef idx="2">
+            <a:schemeClr val="accent1"/>
+          </a:effectRef>
+          <a:fontRef idx="minor">
+            <a:schemeClr val="lt1"/>
+          </a:fontRef>
+        </p:style>
+        <p:txBody>
+          <a:bodyPr rtlCol="0" anchor="ctr"/>
+          <a:lstStyle/>
+          <a:p>
+            <a:pPr algn="ctr"/>
           </a:p>
         </p:txBody>
       </p:sp>
@@ -5127,8 +4583,8 @@
         </p:nvSpPr>
         <p:spPr>
           <a:xfrm>
-            <a:off x="731520" y="1371600"/>
-            <a:ext cx="7680960" cy="5029200"/>
+            <a:off x="640080" y="1828800"/>
+            <a:ext cx="1828800" cy="914400"/>
           </a:xfrm>
           <a:prstGeom prst="rect">
             <a:avLst/>
@@ -5136,132 +4592,206 @@
           <a:noFill/>
         </p:spPr>
         <p:txBody>
-          <a:bodyPr wrap="square">
+          <a:bodyPr wrap="none">
             <a:spAutoFit/>
           </a:bodyPr>
           <a:lstStyle/>
-          <a:p/>
+          <a:p>
+            <a:pPr algn="ctr">
+              <a:defRPr sz="8000" b="1">
+                <a:solidFill>
+                  <a:srgbClr val="FFFFFF"/>
+                </a:solidFill>
+              </a:defRPr>
+            </a:pPr>
+            <a:r>
+              <a:t>1</a:t>
+            </a:r>
+          </a:p>
+        </p:txBody>
+      </p:sp>
+      <p:sp>
+        <p:nvSpPr>
+          <p:cNvPr id="4" name="Rectangle 3"/>
+          <p:cNvSpPr/>
+          <p:nvPr/>
+        </p:nvSpPr>
+        <p:spPr>
+          <a:xfrm>
+            <a:off x="2926080" y="914400"/>
+            <a:ext cx="73152" cy="3657600"/>
+          </a:xfrm>
+          <a:prstGeom prst="rect">
+            <a:avLst/>
+          </a:prstGeom>
+          <a:solidFill>
+            <a:srgbClr val="FFFFFF"/>
+          </a:solidFill>
+          <a:ln>
+            <a:solidFill>
+              <a:srgbClr val="FFFFFF"/>
+            </a:solidFill>
+          </a:ln>
+        </p:spPr>
+        <p:style>
+          <a:lnRef idx="1">
+            <a:schemeClr val="accent1"/>
+          </a:lnRef>
+          <a:fillRef idx="3">
+            <a:schemeClr val="accent1"/>
+          </a:fillRef>
+          <a:effectRef idx="2">
+            <a:schemeClr val="accent1"/>
+          </a:effectRef>
+          <a:fontRef idx="minor">
+            <a:schemeClr val="lt1"/>
+          </a:fontRef>
+        </p:style>
+        <p:txBody>
+          <a:bodyPr rtlCol="0" anchor="ctr"/>
+          <a:lstStyle/>
+          <a:p>
+            <a:pPr algn="ctr"/>
+          </a:p>
+        </p:txBody>
+      </p:sp>
+      <p:sp>
+        <p:nvSpPr>
+          <p:cNvPr id="5" name="TextBox 4"/>
+          <p:cNvSpPr txBox="1"/>
+          <p:nvPr/>
+        </p:nvSpPr>
+        <p:spPr>
+          <a:xfrm>
+            <a:off x="3383280" y="914400"/>
+            <a:ext cx="5486400" cy="731520"/>
+          </a:xfrm>
+          <a:prstGeom prst="rect">
+            <a:avLst/>
+          </a:prstGeom>
+          <a:noFill/>
+        </p:spPr>
+        <p:txBody>
+          <a:bodyPr wrap="none">
+            <a:spAutoFit/>
+          </a:bodyPr>
+          <a:lstStyle/>
           <a:p>
             <a:pPr>
-              <a:spcBef>
-                <a:spcPts val="1200"/>
-              </a:spcBef>
-              <a:defRPr sz="1800"/>
-            </a:pPr>
-            <a:r>
-              <a:t>Who are you?</a:t>
-            </a:r>
-          </a:p>
+              <a:defRPr sz="3200" b="1">
+                <a:solidFill>
+                  <a:srgbClr val="2980B9"/>
+                </a:solidFill>
+              </a:defRPr>
+            </a:pPr>
+            <a:r>
+              <a:t>SUBJECT</a:t>
+            </a:r>
+          </a:p>
+        </p:txBody>
+      </p:sp>
+      <p:sp>
+        <p:nvSpPr>
+          <p:cNvPr id="6" name="TextBox 5"/>
+          <p:cNvSpPr txBox="1"/>
+          <p:nvPr/>
+        </p:nvSpPr>
+        <p:spPr>
+          <a:xfrm>
+            <a:off x="3383280" y="1828800"/>
+            <a:ext cx="5303520" cy="731520"/>
+          </a:xfrm>
+          <a:prstGeom prst="rect">
+            <a:avLst/>
+          </a:prstGeom>
+          <a:noFill/>
+        </p:spPr>
+        <p:txBody>
+          <a:bodyPr wrap="none">
+            <a:spAutoFit/>
+          </a:bodyPr>
+          <a:lstStyle/>
           <a:p>
             <a:pPr>
-              <a:spcBef>
-                <a:spcPts val="1200"/>
-              </a:spcBef>
-              <a:defRPr sz="1800"/>
-            </a:pPr>
-          </a:p>
+              <a:defRPr sz="1400" i="1">
+                <a:solidFill>
+                  <a:srgbClr val="FFFFFF"/>
+                </a:solidFill>
+              </a:defRPr>
+            </a:pPr>
+            <a:r>
+              <a:t>Your company/business</a:t>
+            </a:r>
+          </a:p>
+        </p:txBody>
+      </p:sp>
+      <p:sp>
+        <p:nvSpPr>
+          <p:cNvPr id="7" name="TextBox 6"/>
+          <p:cNvSpPr txBox="1"/>
+          <p:nvPr/>
+        </p:nvSpPr>
+        <p:spPr>
+          <a:xfrm>
+            <a:off x="3383280" y="2743200"/>
+            <a:ext cx="5303520" cy="2103120"/>
+          </a:xfrm>
+          <a:prstGeom prst="rect">
+            <a:avLst/>
+          </a:prstGeom>
+          <a:noFill/>
+        </p:spPr>
+        <p:txBody>
+          <a:bodyPr wrap="none">
+            <a:spAutoFit/>
+          </a:bodyPr>
+          <a:lstStyle/>
           <a:p>
             <a:pPr>
-              <a:spcBef>
-                <a:spcPts val="1200"/>
-              </a:spcBef>
-              <a:defRPr sz="1800"/>
-            </a:pPr>
-            <a:r>
-              <a:t>The Subject is your business - the entity that acts on the market</a:t>
+              <a:defRPr sz="1400">
+                <a:solidFill>
+                  <a:srgbClr val="FFFFFF"/>
+                </a:solidFill>
+              </a:defRPr>
+            </a:pPr>
+            <a:r>
+              <a:t>• What is your company name?</a:t>
             </a:r>
           </a:p>
           <a:p>
             <a:pPr>
-              <a:spcBef>
-                <a:spcPts val="1200"/>
-              </a:spcBef>
-              <a:defRPr sz="1800"/>
-            </a:pPr>
+              <a:defRPr sz="1400">
+                <a:solidFill>
+                  <a:srgbClr val="FFFFFF"/>
+                </a:solidFill>
+              </a:defRPr>
+            </a:pPr>
+            <a:r>
+              <a:t>• What industry are you in?</a:t>
+            </a:r>
           </a:p>
           <a:p>
             <a:pPr>
-              <a:spcBef>
-                <a:spcPts val="1200"/>
-              </a:spcBef>
-              <a:defRPr sz="1800"/>
-            </a:pPr>
-            <a:r>
-              <a:t>Includes:</a:t>
+              <a:defRPr sz="1400">
+                <a:solidFill>
+                  <a:srgbClr val="FFFFFF"/>
+                </a:solidFill>
+              </a:defRPr>
+            </a:pPr>
+            <a:r>
+              <a:t>• What is your core business?</a:t>
             </a:r>
           </a:p>
           <a:p>
             <a:pPr>
-              <a:spcBef>
-                <a:spcPts val="1200"/>
-              </a:spcBef>
-              <a:defRPr sz="1800"/>
-            </a:pPr>
-            <a:r>
-              <a:t>  • Your team and their skills</a:t>
-            </a:r>
-          </a:p>
-          <a:p>
-            <a:pPr>
-              <a:spcBef>
-                <a:spcPts val="1200"/>
-              </a:spcBef>
-              <a:defRPr sz="1800"/>
-            </a:pPr>
-            <a:r>
-              <a:t>  • Your company culture and values</a:t>
-            </a:r>
-          </a:p>
-          <a:p>
-            <a:pPr>
-              <a:spcBef>
-                <a:spcPts val="1200"/>
-              </a:spcBef>
-              <a:defRPr sz="1800"/>
-            </a:pPr>
-            <a:r>
-              <a:t>  • Your mission and vision</a:t>
-            </a:r>
-          </a:p>
-          <a:p>
-            <a:pPr>
-              <a:spcBef>
-                <a:spcPts val="1200"/>
-              </a:spcBef>
-              <a:defRPr sz="1800"/>
-            </a:pPr>
-          </a:p>
-          <a:p>
-            <a:pPr>
-              <a:spcBef>
-                <a:spcPts val="1200"/>
-              </a:spcBef>
-              <a:defRPr sz="1800"/>
-            </a:pPr>
-            <a:r>
-              <a:t>Example (Sourdough Sanctuary):</a:t>
-            </a:r>
-          </a:p>
-          <a:p>
-            <a:pPr>
-              <a:spcBef>
-                <a:spcPts val="1200"/>
-              </a:spcBef>
-              <a:defRPr sz="1800"/>
-            </a:pPr>
-            <a:r>
-              <a:t>  'Artisanal bakery team in Cape Town committed to traditional</a:t>
-            </a:r>
-          </a:p>
-          <a:p>
-            <a:pPr>
-              <a:spcBef>
-                <a:spcPts val="1200"/>
-              </a:spcBef>
-              <a:defRPr sz="1800"/>
-            </a:pPr>
-            <a:r>
-              <a:t>   methods and quality ingredients'</a:t>
+              <a:defRPr sz="1400">
+                <a:solidFill>
+                  <a:srgbClr val="FFFFFF"/>
+                </a:solidFill>
+              </a:defRPr>
+            </a:pPr>
+            <a:r>
+              <a:t>• Who are the key people in your business?</a:t>
             </a:r>
           </a:p>
         </p:txBody>
@@ -5277,6 +4807,14 @@
 <file path=ppt/slides/slide5.xml><?xml version="1.0" encoding="utf-8"?>
 <p:sld xmlns:a="http://schemas.openxmlformats.org/drawingml/2006/main" xmlns:p="http://schemas.openxmlformats.org/presentationml/2006/main" xmlns:r="http://schemas.openxmlformats.org/officeDocument/2006/relationships">
   <p:cSld>
+    <p:bg>
+      <p:bgPr>
+        <a:solidFill>
+          <a:srgbClr val="101C42"/>
+        </a:solidFill>
+        <a:effectLst/>
+      </p:bgPr>
+    </p:bg>
     <p:spTree>
       <p:nvGrpSpPr>
         <p:cNvPr id="1" name=""/>
@@ -5286,38 +4824,46 @@
       <p:grpSpPr/>
       <p:sp>
         <p:nvSpPr>
-          <p:cNvPr id="2" name="TextBox 1"/>
-          <p:cNvSpPr txBox="1"/>
+          <p:cNvPr id="2" name="Oval 1"/>
+          <p:cNvSpPr/>
           <p:nvPr/>
         </p:nvSpPr>
         <p:spPr>
           <a:xfrm>
-            <a:off x="0" y="0"/>
-            <a:ext cx="9144000" cy="731520"/>
-          </a:xfrm>
-          <a:prstGeom prst="rect">
+            <a:off x="640080" y="1371600"/>
+            <a:ext cx="1828800" cy="1828800"/>
+          </a:xfrm>
+          <a:prstGeom prst="ellipse">
             <a:avLst/>
           </a:prstGeom>
           <a:solidFill>
-            <a:srgbClr val="101C42"/>
+            <a:srgbClr val="F39C12"/>
           </a:solidFill>
-        </p:spPr>
-        <p:txBody>
-          <a:bodyPr wrap="none" anchor="ctr" lIns="457200">
-            <a:spAutoFit/>
-          </a:bodyPr>
-          <a:lstStyle/>
-          <a:p>
-            <a:pPr>
-              <a:defRPr sz="2800" b="1">
-                <a:solidFill>
-                  <a:srgbClr val="FFFFFF"/>
-                </a:solidFill>
-              </a:defRPr>
-            </a:pPr>
-            <a:r>
-              <a:t>Component 2: The Object</a:t>
-            </a:r>
+          <a:ln>
+            <a:solidFill>
+              <a:srgbClr val="F39C12"/>
+            </a:solidFill>
+          </a:ln>
+        </p:spPr>
+        <p:style>
+          <a:lnRef idx="1">
+            <a:schemeClr val="accent1"/>
+          </a:lnRef>
+          <a:fillRef idx="3">
+            <a:schemeClr val="accent1"/>
+          </a:fillRef>
+          <a:effectRef idx="2">
+            <a:schemeClr val="accent1"/>
+          </a:effectRef>
+          <a:fontRef idx="minor">
+            <a:schemeClr val="lt1"/>
+          </a:fontRef>
+        </p:style>
+        <p:txBody>
+          <a:bodyPr rtlCol="0" anchor="ctr"/>
+          <a:lstStyle/>
+          <a:p>
+            <a:pPr algn="ctr"/>
           </a:p>
         </p:txBody>
       </p:sp>
@@ -5329,8 +4875,8 @@
         </p:nvSpPr>
         <p:spPr>
           <a:xfrm>
-            <a:off x="731520" y="1371600"/>
-            <a:ext cx="7680960" cy="5029200"/>
+            <a:off x="640080" y="1828800"/>
+            <a:ext cx="1828800" cy="914400"/>
           </a:xfrm>
           <a:prstGeom prst="rect">
             <a:avLst/>
@@ -5338,151 +4884,206 @@
           <a:noFill/>
         </p:spPr>
         <p:txBody>
-          <a:bodyPr wrap="square">
+          <a:bodyPr wrap="none">
             <a:spAutoFit/>
           </a:bodyPr>
           <a:lstStyle/>
-          <a:p/>
+          <a:p>
+            <a:pPr algn="ctr">
+              <a:defRPr sz="8000" b="1">
+                <a:solidFill>
+                  <a:srgbClr val="FFFFFF"/>
+                </a:solidFill>
+              </a:defRPr>
+            </a:pPr>
+            <a:r>
+              <a:t>2</a:t>
+            </a:r>
+          </a:p>
+        </p:txBody>
+      </p:sp>
+      <p:sp>
+        <p:nvSpPr>
+          <p:cNvPr id="4" name="Rectangle 3"/>
+          <p:cNvSpPr/>
+          <p:nvPr/>
+        </p:nvSpPr>
+        <p:spPr>
+          <a:xfrm>
+            <a:off x="2926080" y="914400"/>
+            <a:ext cx="73152" cy="3657600"/>
+          </a:xfrm>
+          <a:prstGeom prst="rect">
+            <a:avLst/>
+          </a:prstGeom>
+          <a:solidFill>
+            <a:srgbClr val="FFFFFF"/>
+          </a:solidFill>
+          <a:ln>
+            <a:solidFill>
+              <a:srgbClr val="FFFFFF"/>
+            </a:solidFill>
+          </a:ln>
+        </p:spPr>
+        <p:style>
+          <a:lnRef idx="1">
+            <a:schemeClr val="accent1"/>
+          </a:lnRef>
+          <a:fillRef idx="3">
+            <a:schemeClr val="accent1"/>
+          </a:fillRef>
+          <a:effectRef idx="2">
+            <a:schemeClr val="accent1"/>
+          </a:effectRef>
+          <a:fontRef idx="minor">
+            <a:schemeClr val="lt1"/>
+          </a:fontRef>
+        </p:style>
+        <p:txBody>
+          <a:bodyPr rtlCol="0" anchor="ctr"/>
+          <a:lstStyle/>
+          <a:p>
+            <a:pPr algn="ctr"/>
+          </a:p>
+        </p:txBody>
+      </p:sp>
+      <p:sp>
+        <p:nvSpPr>
+          <p:cNvPr id="5" name="TextBox 4"/>
+          <p:cNvSpPr txBox="1"/>
+          <p:nvPr/>
+        </p:nvSpPr>
+        <p:spPr>
+          <a:xfrm>
+            <a:off x="3383280" y="914400"/>
+            <a:ext cx="5486400" cy="731520"/>
+          </a:xfrm>
+          <a:prstGeom prst="rect">
+            <a:avLst/>
+          </a:prstGeom>
+          <a:noFill/>
+        </p:spPr>
+        <p:txBody>
+          <a:bodyPr wrap="none">
+            <a:spAutoFit/>
+          </a:bodyPr>
+          <a:lstStyle/>
           <a:p>
             <a:pPr>
-              <a:spcBef>
-                <a:spcPts val="1200"/>
-              </a:spcBef>
-              <a:defRPr sz="1800"/>
-            </a:pPr>
-            <a:r>
-              <a:t>What do you have?</a:t>
-            </a:r>
-          </a:p>
+              <a:defRPr sz="3200" b="1">
+                <a:solidFill>
+                  <a:srgbClr val="F39C12"/>
+                </a:solidFill>
+              </a:defRPr>
+            </a:pPr>
+            <a:r>
+              <a:t>OBJECT</a:t>
+            </a:r>
+          </a:p>
+        </p:txBody>
+      </p:sp>
+      <p:sp>
+        <p:nvSpPr>
+          <p:cNvPr id="6" name="TextBox 5"/>
+          <p:cNvSpPr txBox="1"/>
+          <p:nvPr/>
+        </p:nvSpPr>
+        <p:spPr>
+          <a:xfrm>
+            <a:off x="3383280" y="1828800"/>
+            <a:ext cx="5303520" cy="731520"/>
+          </a:xfrm>
+          <a:prstGeom prst="rect">
+            <a:avLst/>
+          </a:prstGeom>
+          <a:noFill/>
+        </p:spPr>
+        <p:txBody>
+          <a:bodyPr wrap="none">
+            <a:spAutoFit/>
+          </a:bodyPr>
+          <a:lstStyle/>
           <a:p>
             <a:pPr>
-              <a:spcBef>
-                <a:spcPts val="1200"/>
-              </a:spcBef>
-              <a:defRPr sz="1800"/>
-            </a:pPr>
-          </a:p>
+              <a:defRPr sz="1400" i="1">
+                <a:solidFill>
+                  <a:srgbClr val="FFFFFF"/>
+                </a:solidFill>
+              </a:defRPr>
+            </a:pPr>
+            <a:r>
+              <a:t>Assets and resources you buy (not make)</a:t>
+            </a:r>
+          </a:p>
+        </p:txBody>
+      </p:sp>
+      <p:sp>
+        <p:nvSpPr>
+          <p:cNvPr id="7" name="TextBox 6"/>
+          <p:cNvSpPr txBox="1"/>
+          <p:nvPr/>
+        </p:nvSpPr>
+        <p:spPr>
+          <a:xfrm>
+            <a:off x="3383280" y="2743200"/>
+            <a:ext cx="5303520" cy="2103120"/>
+          </a:xfrm>
+          <a:prstGeom prst="rect">
+            <a:avLst/>
+          </a:prstGeom>
+          <a:noFill/>
+        </p:spPr>
+        <p:txBody>
+          <a:bodyPr wrap="none">
+            <a:spAutoFit/>
+          </a:bodyPr>
+          <a:lstStyle/>
           <a:p>
             <a:pPr>
-              <a:spcBef>
-                <a:spcPts val="1200"/>
-              </a:spcBef>
-              <a:defRPr sz="1800"/>
-            </a:pPr>
-            <a:r>
-              <a:t>The Object represents assets and resources you use</a:t>
+              <a:defRPr sz="1400">
+                <a:solidFill>
+                  <a:srgbClr val="FFFFFF"/>
+                </a:solidFill>
+              </a:defRPr>
+            </a:pPr>
+            <a:r>
+              <a:t>• What raw materials do you purchase?</a:t>
             </a:r>
           </a:p>
           <a:p>
             <a:pPr>
-              <a:spcBef>
-                <a:spcPts val="1200"/>
-              </a:spcBef>
-              <a:defRPr sz="1800"/>
-            </a:pPr>
+              <a:defRPr sz="1400">
+                <a:solidFill>
+                  <a:srgbClr val="FFFFFF"/>
+                </a:solidFill>
+              </a:defRPr>
+            </a:pPr>
+            <a:r>
+              <a:t>• What equipment or tools do you buy?</a:t>
+            </a:r>
           </a:p>
           <a:p>
             <a:pPr>
-              <a:spcBef>
-                <a:spcPts val="1200"/>
-              </a:spcBef>
-              <a:defRPr sz="1800"/>
-            </a:pPr>
-            <a:r>
-              <a:t>Key Point: Things you BUY or ACQUIRE, not things you MAKE</a:t>
+              <a:defRPr sz="1400">
+                <a:solidFill>
+                  <a:srgbClr val="FFFFFF"/>
+                </a:solidFill>
+              </a:defRPr>
+            </a:pPr>
+            <a:r>
+              <a:t>• What services do you outsource?</a:t>
             </a:r>
           </a:p>
           <a:p>
             <a:pPr>
-              <a:spcBef>
-                <a:spcPts val="1200"/>
-              </a:spcBef>
-              <a:defRPr sz="1800"/>
-            </a:pPr>
-          </a:p>
-          <a:p>
-            <a:pPr>
-              <a:spcBef>
-                <a:spcPts val="1200"/>
-              </a:spcBef>
-              <a:defRPr sz="1800"/>
-            </a:pPr>
-            <a:r>
-              <a:t>Examples:</a:t>
-            </a:r>
-          </a:p>
-          <a:p>
-            <a:pPr>
-              <a:spcBef>
-                <a:spcPts val="1200"/>
-              </a:spcBef>
-              <a:defRPr sz="1800"/>
-            </a:pPr>
-            <a:r>
-              <a:t>  • Raw materials and inventory</a:t>
-            </a:r>
-          </a:p>
-          <a:p>
-            <a:pPr>
-              <a:spcBef>
-                <a:spcPts val="1200"/>
-              </a:spcBef>
-              <a:defRPr sz="1800"/>
-            </a:pPr>
-            <a:r>
-              <a:t>  • Equipment and machinery</a:t>
-            </a:r>
-          </a:p>
-          <a:p>
-            <a:pPr>
-              <a:spcBef>
-                <a:spcPts val="1200"/>
-              </a:spcBef>
-              <a:defRPr sz="1800"/>
-            </a:pPr>
-            <a:r>
-              <a:t>  • Physical locations</a:t>
-            </a:r>
-          </a:p>
-          <a:p>
-            <a:pPr>
-              <a:spcBef>
-                <a:spcPts val="1200"/>
-              </a:spcBef>
-              <a:defRPr sz="1800"/>
-            </a:pPr>
-            <a:r>
-              <a:t>  • Intellectual property you license</a:t>
-            </a:r>
-          </a:p>
-          <a:p>
-            <a:pPr>
-              <a:spcBef>
-                <a:spcPts val="1200"/>
-              </a:spcBef>
-              <a:defRPr sz="1800"/>
-            </a:pPr>
-          </a:p>
-          <a:p>
-            <a:pPr>
-              <a:spcBef>
-                <a:spcPts val="1200"/>
-              </a:spcBef>
-              <a:defRPr sz="1800"/>
-            </a:pPr>
-            <a:r>
-              <a:t>Sourdough Sanctuary: Stone-ground flour, specialized ovens,</a:t>
-            </a:r>
-          </a:p>
-          <a:p>
-            <a:pPr>
-              <a:spcBef>
-                <a:spcPts val="1200"/>
-              </a:spcBef>
-              <a:defRPr sz="1800"/>
-            </a:pPr>
-            <a:r>
-              <a:t>sourdough starter culture, prime location</a:t>
+              <a:defRPr sz="1400">
+                <a:solidFill>
+                  <a:srgbClr val="FFFFFF"/>
+                </a:solidFill>
+              </a:defRPr>
+            </a:pPr>
+            <a:r>
+              <a:t>• What licenses or software do you pay for?</a:t>
             </a:r>
           </a:p>
         </p:txBody>
@@ -5498,6 +5099,14 @@
 <file path=ppt/slides/slide6.xml><?xml version="1.0" encoding="utf-8"?>
 <p:sld xmlns:a="http://schemas.openxmlformats.org/drawingml/2006/main" xmlns:p="http://schemas.openxmlformats.org/presentationml/2006/main" xmlns:r="http://schemas.openxmlformats.org/officeDocument/2006/relationships">
   <p:cSld>
+    <p:bg>
+      <p:bgPr>
+        <a:solidFill>
+          <a:srgbClr val="101C42"/>
+        </a:solidFill>
+        <a:effectLst/>
+      </p:bgPr>
+    </p:bg>
     <p:spTree>
       <p:nvGrpSpPr>
         <p:cNvPr id="1" name=""/>
@@ -5507,38 +5116,46 @@
       <p:grpSpPr/>
       <p:sp>
         <p:nvSpPr>
-          <p:cNvPr id="2" name="TextBox 1"/>
-          <p:cNvSpPr txBox="1"/>
+          <p:cNvPr id="2" name="Oval 1"/>
+          <p:cNvSpPr/>
           <p:nvPr/>
         </p:nvSpPr>
         <p:spPr>
           <a:xfrm>
-            <a:off x="0" y="0"/>
-            <a:ext cx="9144000" cy="731520"/>
-          </a:xfrm>
-          <a:prstGeom prst="rect">
+            <a:off x="640080" y="1371600"/>
+            <a:ext cx="1828800" cy="1828800"/>
+          </a:xfrm>
+          <a:prstGeom prst="ellipse">
             <a:avLst/>
           </a:prstGeom>
           <a:solidFill>
-            <a:srgbClr val="101C42"/>
+            <a:srgbClr val="27AE60"/>
           </a:solidFill>
-        </p:spPr>
-        <p:txBody>
-          <a:bodyPr wrap="none" anchor="ctr" lIns="457200">
-            <a:spAutoFit/>
-          </a:bodyPr>
-          <a:lstStyle/>
-          <a:p>
-            <a:pPr>
-              <a:defRPr sz="2800" b="1">
-                <a:solidFill>
-                  <a:srgbClr val="FFFFFF"/>
-                </a:solidFill>
-              </a:defRPr>
-            </a:pPr>
-            <a:r>
-              <a:t>Component 3: The Outcome</a:t>
-            </a:r>
+          <a:ln>
+            <a:solidFill>
+              <a:srgbClr val="27AE60"/>
+            </a:solidFill>
+          </a:ln>
+        </p:spPr>
+        <p:style>
+          <a:lnRef idx="1">
+            <a:schemeClr val="accent1"/>
+          </a:lnRef>
+          <a:fillRef idx="3">
+            <a:schemeClr val="accent1"/>
+          </a:fillRef>
+          <a:effectRef idx="2">
+            <a:schemeClr val="accent1"/>
+          </a:effectRef>
+          <a:fontRef idx="minor">
+            <a:schemeClr val="lt1"/>
+          </a:fontRef>
+        </p:style>
+        <p:txBody>
+          <a:bodyPr rtlCol="0" anchor="ctr"/>
+          <a:lstStyle/>
+          <a:p>
+            <a:pPr algn="ctr"/>
           </a:p>
         </p:txBody>
       </p:sp>
@@ -5550,8 +5167,8 @@
         </p:nvSpPr>
         <p:spPr>
           <a:xfrm>
-            <a:off x="731520" y="1371600"/>
-            <a:ext cx="7680960" cy="5029200"/>
+            <a:off x="640080" y="1828800"/>
+            <a:ext cx="1828800" cy="914400"/>
           </a:xfrm>
           <a:prstGeom prst="rect">
             <a:avLst/>
@@ -5559,118 +5176,206 @@
           <a:noFill/>
         </p:spPr>
         <p:txBody>
-          <a:bodyPr wrap="square">
+          <a:bodyPr wrap="none">
             <a:spAutoFit/>
           </a:bodyPr>
           <a:lstStyle/>
-          <a:p/>
+          <a:p>
+            <a:pPr algn="ctr">
+              <a:defRPr sz="8000" b="1">
+                <a:solidFill>
+                  <a:srgbClr val="FFFFFF"/>
+                </a:solidFill>
+              </a:defRPr>
+            </a:pPr>
+            <a:r>
+              <a:t>3</a:t>
+            </a:r>
+          </a:p>
+        </p:txBody>
+      </p:sp>
+      <p:sp>
+        <p:nvSpPr>
+          <p:cNvPr id="4" name="Rectangle 3"/>
+          <p:cNvSpPr/>
+          <p:nvPr/>
+        </p:nvSpPr>
+        <p:spPr>
+          <a:xfrm>
+            <a:off x="2926080" y="914400"/>
+            <a:ext cx="73152" cy="3657600"/>
+          </a:xfrm>
+          <a:prstGeom prst="rect">
+            <a:avLst/>
+          </a:prstGeom>
+          <a:solidFill>
+            <a:srgbClr val="FFFFFF"/>
+          </a:solidFill>
+          <a:ln>
+            <a:solidFill>
+              <a:srgbClr val="FFFFFF"/>
+            </a:solidFill>
+          </a:ln>
+        </p:spPr>
+        <p:style>
+          <a:lnRef idx="1">
+            <a:schemeClr val="accent1"/>
+          </a:lnRef>
+          <a:fillRef idx="3">
+            <a:schemeClr val="accent1"/>
+          </a:fillRef>
+          <a:effectRef idx="2">
+            <a:schemeClr val="accent1"/>
+          </a:effectRef>
+          <a:fontRef idx="minor">
+            <a:schemeClr val="lt1"/>
+          </a:fontRef>
+        </p:style>
+        <p:txBody>
+          <a:bodyPr rtlCol="0" anchor="ctr"/>
+          <a:lstStyle/>
+          <a:p>
+            <a:pPr algn="ctr"/>
+          </a:p>
+        </p:txBody>
+      </p:sp>
+      <p:sp>
+        <p:nvSpPr>
+          <p:cNvPr id="5" name="TextBox 4"/>
+          <p:cNvSpPr txBox="1"/>
+          <p:nvPr/>
+        </p:nvSpPr>
+        <p:spPr>
+          <a:xfrm>
+            <a:off x="3383280" y="914400"/>
+            <a:ext cx="5486400" cy="731520"/>
+          </a:xfrm>
+          <a:prstGeom prst="rect">
+            <a:avLst/>
+          </a:prstGeom>
+          <a:noFill/>
+        </p:spPr>
+        <p:txBody>
+          <a:bodyPr wrap="none">
+            <a:spAutoFit/>
+          </a:bodyPr>
+          <a:lstStyle/>
           <a:p>
             <a:pPr>
-              <a:spcBef>
-                <a:spcPts val="1200"/>
-              </a:spcBef>
-              <a:defRPr sz="1800"/>
-            </a:pPr>
-            <a:r>
-              <a:t>What do you produce?</a:t>
-            </a:r>
-          </a:p>
+              <a:defRPr sz="3200" b="1">
+                <a:solidFill>
+                  <a:srgbClr val="27AE60"/>
+                </a:solidFill>
+              </a:defRPr>
+            </a:pPr>
+            <a:r>
+              <a:t>OUTCOME</a:t>
+            </a:r>
+          </a:p>
+        </p:txBody>
+      </p:sp>
+      <p:sp>
+        <p:nvSpPr>
+          <p:cNvPr id="6" name="TextBox 5"/>
+          <p:cNvSpPr txBox="1"/>
+          <p:nvPr/>
+        </p:nvSpPr>
+        <p:spPr>
+          <a:xfrm>
+            <a:off x="3383280" y="1828800"/>
+            <a:ext cx="5303520" cy="731520"/>
+          </a:xfrm>
+          <a:prstGeom prst="rect">
+            <a:avLst/>
+          </a:prstGeom>
+          <a:noFill/>
+        </p:spPr>
+        <p:txBody>
+          <a:bodyPr wrap="none">
+            <a:spAutoFit/>
+          </a:bodyPr>
+          <a:lstStyle/>
           <a:p>
             <a:pPr>
-              <a:spcBef>
-                <a:spcPts val="1200"/>
-              </a:spcBef>
-              <a:defRPr sz="1800"/>
-            </a:pPr>
-          </a:p>
+              <a:defRPr sz="1400" i="1">
+                <a:solidFill>
+                  <a:srgbClr val="FFFFFF"/>
+                </a:solidFill>
+              </a:defRPr>
+            </a:pPr>
+            <a:r>
+              <a:t>Your final product or service</a:t>
+            </a:r>
+          </a:p>
+        </p:txBody>
+      </p:sp>
+      <p:sp>
+        <p:nvSpPr>
+          <p:cNvPr id="7" name="TextBox 6"/>
+          <p:cNvSpPr txBox="1"/>
+          <p:nvPr/>
+        </p:nvSpPr>
+        <p:spPr>
+          <a:xfrm>
+            <a:off x="3383280" y="2743200"/>
+            <a:ext cx="5303520" cy="2103120"/>
+          </a:xfrm>
+          <a:prstGeom prst="rect">
+            <a:avLst/>
+          </a:prstGeom>
+          <a:noFill/>
+        </p:spPr>
+        <p:txBody>
+          <a:bodyPr wrap="none">
+            <a:spAutoFit/>
+          </a:bodyPr>
+          <a:lstStyle/>
           <a:p>
             <a:pPr>
-              <a:spcBef>
-                <a:spcPts val="1200"/>
-              </a:spcBef>
-              <a:defRPr sz="1800"/>
-            </a:pPr>
-            <a:r>
-              <a:t>The Outcome is the final product or service you deliver</a:t>
+              <a:defRPr sz="1400">
+                <a:solidFill>
+                  <a:srgbClr val="FFFFFF"/>
+                </a:solidFill>
+              </a:defRPr>
+            </a:pPr>
+            <a:r>
+              <a:t>• What do customers actually receive?</a:t>
             </a:r>
           </a:p>
           <a:p>
             <a:pPr>
-              <a:spcBef>
-                <a:spcPts val="1200"/>
-              </a:spcBef>
-              <a:defRPr sz="1800"/>
-            </a:pPr>
+              <a:defRPr sz="1400">
+                <a:solidFill>
+                  <a:srgbClr val="FFFFFF"/>
+                </a:solidFill>
+              </a:defRPr>
+            </a:pPr>
+            <a:r>
+              <a:t>• What problem does it solve?</a:t>
+            </a:r>
           </a:p>
           <a:p>
             <a:pPr>
-              <a:spcBef>
-                <a:spcPts val="1200"/>
-              </a:spcBef>
-              <a:defRPr sz="1800"/>
-            </a:pPr>
-            <a:r>
-              <a:t>This is the tangible result of your business activities</a:t>
+              <a:defRPr sz="1400">
+                <a:solidFill>
+                  <a:srgbClr val="FFFFFF"/>
+                </a:solidFill>
+              </a:defRPr>
+            </a:pPr>
+            <a:r>
+              <a:t>• What value does it deliver?</a:t>
             </a:r>
           </a:p>
           <a:p>
             <a:pPr>
-              <a:spcBef>
-                <a:spcPts val="1200"/>
-              </a:spcBef>
-              <a:defRPr sz="1800"/>
-            </a:pPr>
-          </a:p>
-          <a:p>
-            <a:pPr>
-              <a:spcBef>
-                <a:spcPts val="1200"/>
-              </a:spcBef>
-              <a:defRPr sz="1800"/>
-            </a:pPr>
-            <a:r>
-              <a:t>Must directly address your customer's needs</a:t>
-            </a:r>
-          </a:p>
-          <a:p>
-            <a:pPr>
-              <a:spcBef>
-                <a:spcPts val="1200"/>
-              </a:spcBef>
-              <a:defRPr sz="1800"/>
-            </a:pPr>
-          </a:p>
-          <a:p>
-            <a:pPr>
-              <a:spcBef>
-                <a:spcPts val="1200"/>
-              </a:spcBef>
-              <a:defRPr sz="1800"/>
-            </a:pPr>
-            <a:r>
-              <a:t>Sourdough Sanctuary:</a:t>
-            </a:r>
-          </a:p>
-          <a:p>
-            <a:pPr>
-              <a:spcBef>
-                <a:spcPts val="1200"/>
-              </a:spcBef>
-              <a:defRPr sz="1800"/>
-            </a:pPr>
-            <a:r>
-              <a:t>  'Range of artisanal sourdough breads, pastries, and</a:t>
-            </a:r>
-          </a:p>
-          <a:p>
-            <a:pPr>
-              <a:spcBef>
-                <a:spcPts val="1200"/>
-              </a:spcBef>
-              <a:defRPr sz="1800"/>
-            </a:pPr>
-            <a:r>
-              <a:t>   sandwiches, beautifully packaged and ready for customers'</a:t>
+              <a:defRPr sz="1400">
+                <a:solidFill>
+                  <a:srgbClr val="FFFFFF"/>
+                </a:solidFill>
+              </a:defRPr>
+            </a:pPr>
+            <a:r>
+              <a:t>• How is it packaged or delivered?</a:t>
             </a:r>
           </a:p>
         </p:txBody>
@@ -5686,6 +5391,14 @@
 <file path=ppt/slides/slide7.xml><?xml version="1.0" encoding="utf-8"?>
 <p:sld xmlns:a="http://schemas.openxmlformats.org/drawingml/2006/main" xmlns:p="http://schemas.openxmlformats.org/presentationml/2006/main" xmlns:r="http://schemas.openxmlformats.org/officeDocument/2006/relationships">
   <p:cSld>
+    <p:bg>
+      <p:bgPr>
+        <a:solidFill>
+          <a:srgbClr val="101C42"/>
+        </a:solidFill>
+        <a:effectLst/>
+      </p:bgPr>
+    </p:bg>
     <p:spTree>
       <p:nvGrpSpPr>
         <p:cNvPr id="1" name=""/>
@@ -5695,38 +5408,46 @@
       <p:grpSpPr/>
       <p:sp>
         <p:nvSpPr>
-          <p:cNvPr id="2" name="TextBox 1"/>
-          <p:cNvSpPr txBox="1"/>
+          <p:cNvPr id="2" name="Oval 1"/>
+          <p:cNvSpPr/>
           <p:nvPr/>
         </p:nvSpPr>
         <p:spPr>
           <a:xfrm>
-            <a:off x="0" y="0"/>
-            <a:ext cx="9144000" cy="731520"/>
-          </a:xfrm>
-          <a:prstGeom prst="rect">
+            <a:off x="640080" y="1371600"/>
+            <a:ext cx="1828800" cy="1828800"/>
+          </a:xfrm>
+          <a:prstGeom prst="ellipse">
             <a:avLst/>
           </a:prstGeom>
           <a:solidFill>
-            <a:srgbClr val="101C42"/>
+            <a:srgbClr val="F1C40F"/>
           </a:solidFill>
-        </p:spPr>
-        <p:txBody>
-          <a:bodyPr wrap="none" anchor="ctr" lIns="457200">
-            <a:spAutoFit/>
-          </a:bodyPr>
-          <a:lstStyle/>
-          <a:p>
-            <a:pPr>
-              <a:defRPr sz="2800" b="1">
-                <a:solidFill>
-                  <a:srgbClr val="FFFFFF"/>
-                </a:solidFill>
-              </a:defRPr>
-            </a:pPr>
-            <a:r>
-              <a:t>Component 4: The Differentiator</a:t>
-            </a:r>
+          <a:ln>
+            <a:solidFill>
+              <a:srgbClr val="F1C40F"/>
+            </a:solidFill>
+          </a:ln>
+        </p:spPr>
+        <p:style>
+          <a:lnRef idx="1">
+            <a:schemeClr val="accent1"/>
+          </a:lnRef>
+          <a:fillRef idx="3">
+            <a:schemeClr val="accent1"/>
+          </a:fillRef>
+          <a:effectRef idx="2">
+            <a:schemeClr val="accent1"/>
+          </a:effectRef>
+          <a:fontRef idx="minor">
+            <a:schemeClr val="lt1"/>
+          </a:fontRef>
+        </p:style>
+        <p:txBody>
+          <a:bodyPr rtlCol="0" anchor="ctr"/>
+          <a:lstStyle/>
+          <a:p>
+            <a:pPr algn="ctr"/>
           </a:p>
         </p:txBody>
       </p:sp>
@@ -5738,8 +5459,8 @@
         </p:nvSpPr>
         <p:spPr>
           <a:xfrm>
-            <a:off x="731520" y="1371600"/>
-            <a:ext cx="7680960" cy="5029200"/>
+            <a:off x="640080" y="1828800"/>
+            <a:ext cx="1828800" cy="914400"/>
           </a:xfrm>
           <a:prstGeom prst="rect">
             <a:avLst/>
@@ -5747,118 +5468,206 @@
           <a:noFill/>
         </p:spPr>
         <p:txBody>
-          <a:bodyPr wrap="square">
+          <a:bodyPr wrap="none">
             <a:spAutoFit/>
           </a:bodyPr>
           <a:lstStyle/>
-          <a:p/>
+          <a:p>
+            <a:pPr algn="ctr">
+              <a:defRPr sz="8000" b="1">
+                <a:solidFill>
+                  <a:srgbClr val="FFFFFF"/>
+                </a:solidFill>
+              </a:defRPr>
+            </a:pPr>
+            <a:r>
+              <a:t>4</a:t>
+            </a:r>
+          </a:p>
+        </p:txBody>
+      </p:sp>
+      <p:sp>
+        <p:nvSpPr>
+          <p:cNvPr id="4" name="Rectangle 3"/>
+          <p:cNvSpPr/>
+          <p:nvPr/>
+        </p:nvSpPr>
+        <p:spPr>
+          <a:xfrm>
+            <a:off x="2926080" y="914400"/>
+            <a:ext cx="73152" cy="3657600"/>
+          </a:xfrm>
+          <a:prstGeom prst="rect">
+            <a:avLst/>
+          </a:prstGeom>
+          <a:solidFill>
+            <a:srgbClr val="FFFFFF"/>
+          </a:solidFill>
+          <a:ln>
+            <a:solidFill>
+              <a:srgbClr val="FFFFFF"/>
+            </a:solidFill>
+          </a:ln>
+        </p:spPr>
+        <p:style>
+          <a:lnRef idx="1">
+            <a:schemeClr val="accent1"/>
+          </a:lnRef>
+          <a:fillRef idx="3">
+            <a:schemeClr val="accent1"/>
+          </a:fillRef>
+          <a:effectRef idx="2">
+            <a:schemeClr val="accent1"/>
+          </a:effectRef>
+          <a:fontRef idx="minor">
+            <a:schemeClr val="lt1"/>
+          </a:fontRef>
+        </p:style>
+        <p:txBody>
+          <a:bodyPr rtlCol="0" anchor="ctr"/>
+          <a:lstStyle/>
+          <a:p>
+            <a:pPr algn="ctr"/>
+          </a:p>
+        </p:txBody>
+      </p:sp>
+      <p:sp>
+        <p:nvSpPr>
+          <p:cNvPr id="5" name="TextBox 4"/>
+          <p:cNvSpPr txBox="1"/>
+          <p:nvPr/>
+        </p:nvSpPr>
+        <p:spPr>
+          <a:xfrm>
+            <a:off x="3383280" y="914400"/>
+            <a:ext cx="5486400" cy="731520"/>
+          </a:xfrm>
+          <a:prstGeom prst="rect">
+            <a:avLst/>
+          </a:prstGeom>
+          <a:noFill/>
+        </p:spPr>
+        <p:txBody>
+          <a:bodyPr wrap="none">
+            <a:spAutoFit/>
+          </a:bodyPr>
+          <a:lstStyle/>
           <a:p>
             <a:pPr>
-              <a:spcBef>
-                <a:spcPts val="1200"/>
-              </a:spcBef>
-              <a:defRPr sz="1800"/>
-            </a:pPr>
-            <a:r>
-              <a:t>What makes you unique?</a:t>
-            </a:r>
-          </a:p>
+              <a:defRPr sz="3200" b="1">
+                <a:solidFill>
+                  <a:srgbClr val="F1C40F"/>
+                </a:solidFill>
+              </a:defRPr>
+            </a:pPr>
+            <a:r>
+              <a:t>DIFFERENTIATOR</a:t>
+            </a:r>
+          </a:p>
+        </p:txBody>
+      </p:sp>
+      <p:sp>
+        <p:nvSpPr>
+          <p:cNvPr id="6" name="TextBox 5"/>
+          <p:cNvSpPr txBox="1"/>
+          <p:nvPr/>
+        </p:nvSpPr>
+        <p:spPr>
+          <a:xfrm>
+            <a:off x="3383280" y="1828800"/>
+            <a:ext cx="5303520" cy="731520"/>
+          </a:xfrm>
+          <a:prstGeom prst="rect">
+            <a:avLst/>
+          </a:prstGeom>
+          <a:noFill/>
+        </p:spPr>
+        <p:txBody>
+          <a:bodyPr wrap="none">
+            <a:spAutoFit/>
+          </a:bodyPr>
+          <a:lstStyle/>
           <a:p>
             <a:pPr>
-              <a:spcBef>
-                <a:spcPts val="1200"/>
-              </a:spcBef>
-              <a:defRPr sz="1800"/>
-            </a:pPr>
-          </a:p>
+              <a:defRPr sz="1400" i="1">
+                <a:solidFill>
+                  <a:srgbClr val="FFFFFF"/>
+                </a:solidFill>
+              </a:defRPr>
+            </a:pPr>
+            <a:r>
+              <a:t>Your secret sauce - what makes you unique</a:t>
+            </a:r>
+          </a:p>
+        </p:txBody>
+      </p:sp>
+      <p:sp>
+        <p:nvSpPr>
+          <p:cNvPr id="7" name="TextBox 6"/>
+          <p:cNvSpPr txBox="1"/>
+          <p:nvPr/>
+        </p:nvSpPr>
+        <p:spPr>
+          <a:xfrm>
+            <a:off x="3383280" y="2743200"/>
+            <a:ext cx="5303520" cy="2103120"/>
+          </a:xfrm>
+          <a:prstGeom prst="rect">
+            <a:avLst/>
+          </a:prstGeom>
+          <a:noFill/>
+        </p:spPr>
+        <p:txBody>
+          <a:bodyPr wrap="none">
+            <a:spAutoFit/>
+          </a:bodyPr>
+          <a:lstStyle/>
           <a:p>
             <a:pPr>
-              <a:spcBef>
-                <a:spcPts val="1200"/>
-              </a:spcBef>
-              <a:defRPr sz="1800"/>
-            </a:pPr>
-            <a:r>
-              <a:t>Your 'secret sauce' - what you infuse into everything you do</a:t>
+              <a:defRPr sz="1400">
+                <a:solidFill>
+                  <a:srgbClr val="FFFFFF"/>
+                </a:solidFill>
+              </a:defRPr>
+            </a:pPr>
+            <a:r>
+              <a:t>• What do you do that competitors don't?</a:t>
             </a:r>
           </a:p>
           <a:p>
             <a:pPr>
-              <a:spcBef>
-                <a:spcPts val="1200"/>
-              </a:spcBef>
-              <a:defRPr sz="1800"/>
-            </a:pPr>
+              <a:defRPr sz="1400">
+                <a:solidFill>
+                  <a:srgbClr val="FFFFFF"/>
+                </a:solidFill>
+              </a:defRPr>
+            </a:pPr>
+            <a:r>
+              <a:t>• What is your niche or specialty?</a:t>
+            </a:r>
           </a:p>
           <a:p>
             <a:pPr>
-              <a:spcBef>
-                <a:spcPts val="1200"/>
-              </a:spcBef>
-              <a:defRPr sz="1800"/>
-            </a:pPr>
-            <a:r>
-              <a:t>This is your niche, your unique value proposition</a:t>
+              <a:defRPr sz="1400">
+                <a:solidFill>
+                  <a:srgbClr val="FFFFFF"/>
+                </a:solidFill>
+              </a:defRPr>
+            </a:pPr>
+            <a:r>
+              <a:t>• What gives you an unfair advantage?</a:t>
             </a:r>
           </a:p>
           <a:p>
             <a:pPr>
-              <a:spcBef>
-                <a:spcPts val="1200"/>
-              </a:spcBef>
-              <a:defRPr sz="1800"/>
-            </a:pPr>
-          </a:p>
-          <a:p>
-            <a:pPr>
-              <a:spcBef>
-                <a:spcPts val="1200"/>
-              </a:spcBef>
-              <a:defRPr sz="1800"/>
-            </a:pPr>
-            <a:r>
-              <a:t>Creates market-leading choices for customers</a:t>
-            </a:r>
-          </a:p>
-          <a:p>
-            <a:pPr>
-              <a:spcBef>
-                <a:spcPts val="1200"/>
-              </a:spcBef>
-              <a:defRPr sz="1800"/>
-            </a:pPr>
-          </a:p>
-          <a:p>
-            <a:pPr>
-              <a:spcBef>
-                <a:spcPts val="1200"/>
-              </a:spcBef>
-              <a:defRPr sz="1800"/>
-            </a:pPr>
-            <a:r>
-              <a:t>Sourdough Sanctuary:</a:t>
-            </a:r>
-          </a:p>
-          <a:p>
-            <a:pPr>
-              <a:spcBef>
-                <a:spcPts val="1200"/>
-              </a:spcBef>
-              <a:defRPr sz="1800"/>
-            </a:pPr>
-            <a:r>
-              <a:t>  '100% authentic 72-hour fermentation process that creates</a:t>
-            </a:r>
-          </a:p>
-          <a:p>
-            <a:pPr>
-              <a:spcBef>
-                <a:spcPts val="1200"/>
-              </a:spcBef>
-              <a:defRPr sz="1800"/>
-            </a:pPr>
-            <a:r>
-              <a:t>   a unique flavor and texture customers can't find elsewhere'</a:t>
+              <a:defRPr sz="1400">
+                <a:solidFill>
+                  <a:srgbClr val="FFFFFF"/>
+                </a:solidFill>
+              </a:defRPr>
+            </a:pPr>
+            <a:r>
+              <a:t>• Why do customers choose you over others?</a:t>
             </a:r>
           </a:p>
         </p:txBody>
@@ -5874,6 +5683,14 @@
 <file path=ppt/slides/slide8.xml><?xml version="1.0" encoding="utf-8"?>
 <p:sld xmlns:a="http://schemas.openxmlformats.org/drawingml/2006/main" xmlns:p="http://schemas.openxmlformats.org/presentationml/2006/main" xmlns:r="http://schemas.openxmlformats.org/officeDocument/2006/relationships">
   <p:cSld>
+    <p:bg>
+      <p:bgPr>
+        <a:solidFill>
+          <a:srgbClr val="101C42"/>
+        </a:solidFill>
+        <a:effectLst/>
+      </p:bgPr>
+    </p:bg>
     <p:spTree>
       <p:nvGrpSpPr>
         <p:cNvPr id="1" name=""/>
@@ -5883,38 +5700,46 @@
       <p:grpSpPr/>
       <p:sp>
         <p:nvSpPr>
-          <p:cNvPr id="2" name="TextBox 1"/>
-          <p:cNvSpPr txBox="1"/>
+          <p:cNvPr id="2" name="Oval 1"/>
+          <p:cNvSpPr/>
           <p:nvPr/>
         </p:nvSpPr>
         <p:spPr>
           <a:xfrm>
-            <a:off x="0" y="0"/>
-            <a:ext cx="9144000" cy="731520"/>
-          </a:xfrm>
-          <a:prstGeom prst="rect">
+            <a:off x="640080" y="1371600"/>
+            <a:ext cx="1828800" cy="1828800"/>
+          </a:xfrm>
+          <a:prstGeom prst="ellipse">
             <a:avLst/>
           </a:prstGeom>
           <a:solidFill>
-            <a:srgbClr val="101C42"/>
+            <a:srgbClr val="34495E"/>
           </a:solidFill>
-        </p:spPr>
-        <p:txBody>
-          <a:bodyPr wrap="none" anchor="ctr" lIns="457200">
-            <a:spAutoFit/>
-          </a:bodyPr>
-          <a:lstStyle/>
-          <a:p>
-            <a:pPr>
-              <a:defRPr sz="2800" b="1">
-                <a:solidFill>
-                  <a:srgbClr val="FFFFFF"/>
-                </a:solidFill>
-              </a:defRPr>
-            </a:pPr>
-            <a:r>
-              <a:t>Component 5: Barriers to Entry</a:t>
-            </a:r>
+          <a:ln>
+            <a:solidFill>
+              <a:srgbClr val="34495E"/>
+            </a:solidFill>
+          </a:ln>
+        </p:spPr>
+        <p:style>
+          <a:lnRef idx="1">
+            <a:schemeClr val="accent1"/>
+          </a:lnRef>
+          <a:fillRef idx="3">
+            <a:schemeClr val="accent1"/>
+          </a:fillRef>
+          <a:effectRef idx="2">
+            <a:schemeClr val="accent1"/>
+          </a:effectRef>
+          <a:fontRef idx="minor">
+            <a:schemeClr val="lt1"/>
+          </a:fontRef>
+        </p:style>
+        <p:txBody>
+          <a:bodyPr rtlCol="0" anchor="ctr"/>
+          <a:lstStyle/>
+          <a:p>
+            <a:pPr algn="ctr"/>
           </a:p>
         </p:txBody>
       </p:sp>
@@ -5926,8 +5751,8 @@
         </p:nvSpPr>
         <p:spPr>
           <a:xfrm>
-            <a:off x="731520" y="1371600"/>
-            <a:ext cx="7680960" cy="5029200"/>
+            <a:off x="640080" y="1828800"/>
+            <a:ext cx="1828800" cy="914400"/>
           </a:xfrm>
           <a:prstGeom prst="rect">
             <a:avLst/>
@@ -5935,132 +5760,206 @@
           <a:noFill/>
         </p:spPr>
         <p:txBody>
-          <a:bodyPr wrap="square">
+          <a:bodyPr wrap="none">
             <a:spAutoFit/>
           </a:bodyPr>
           <a:lstStyle/>
-          <a:p/>
+          <a:p>
+            <a:pPr algn="ctr">
+              <a:defRPr sz="8000" b="1">
+                <a:solidFill>
+                  <a:srgbClr val="FFFFFF"/>
+                </a:solidFill>
+              </a:defRPr>
+            </a:pPr>
+            <a:r>
+              <a:t>5</a:t>
+            </a:r>
+          </a:p>
+        </p:txBody>
+      </p:sp>
+      <p:sp>
+        <p:nvSpPr>
+          <p:cNvPr id="4" name="Rectangle 3"/>
+          <p:cNvSpPr/>
+          <p:nvPr/>
+        </p:nvSpPr>
+        <p:spPr>
+          <a:xfrm>
+            <a:off x="2926080" y="914400"/>
+            <a:ext cx="73152" cy="3657600"/>
+          </a:xfrm>
+          <a:prstGeom prst="rect">
+            <a:avLst/>
+          </a:prstGeom>
+          <a:solidFill>
+            <a:srgbClr val="FFFFFF"/>
+          </a:solidFill>
+          <a:ln>
+            <a:solidFill>
+              <a:srgbClr val="FFFFFF"/>
+            </a:solidFill>
+          </a:ln>
+        </p:spPr>
+        <p:style>
+          <a:lnRef idx="1">
+            <a:schemeClr val="accent1"/>
+          </a:lnRef>
+          <a:fillRef idx="3">
+            <a:schemeClr val="accent1"/>
+          </a:fillRef>
+          <a:effectRef idx="2">
+            <a:schemeClr val="accent1"/>
+          </a:effectRef>
+          <a:fontRef idx="minor">
+            <a:schemeClr val="lt1"/>
+          </a:fontRef>
+        </p:style>
+        <p:txBody>
+          <a:bodyPr rtlCol="0" anchor="ctr"/>
+          <a:lstStyle/>
+          <a:p>
+            <a:pPr algn="ctr"/>
+          </a:p>
+        </p:txBody>
+      </p:sp>
+      <p:sp>
+        <p:nvSpPr>
+          <p:cNvPr id="5" name="TextBox 4"/>
+          <p:cNvSpPr txBox="1"/>
+          <p:nvPr/>
+        </p:nvSpPr>
+        <p:spPr>
+          <a:xfrm>
+            <a:off x="3383280" y="914400"/>
+            <a:ext cx="5486400" cy="731520"/>
+          </a:xfrm>
+          <a:prstGeom prst="rect">
+            <a:avLst/>
+          </a:prstGeom>
+          <a:noFill/>
+        </p:spPr>
+        <p:txBody>
+          <a:bodyPr wrap="none">
+            <a:spAutoFit/>
+          </a:bodyPr>
+          <a:lstStyle/>
           <a:p>
             <a:pPr>
-              <a:spcBef>
-                <a:spcPts val="1200"/>
-              </a:spcBef>
-              <a:defRPr sz="1800"/>
-            </a:pPr>
-            <a:r>
-              <a:t>What protects you from competition?</a:t>
-            </a:r>
-          </a:p>
+              <a:defRPr sz="3200" b="1">
+                <a:solidFill>
+                  <a:srgbClr val="34495E"/>
+                </a:solidFill>
+              </a:defRPr>
+            </a:pPr>
+            <a:r>
+              <a:t>BARRIERS TO ENTRY</a:t>
+            </a:r>
+          </a:p>
+        </p:txBody>
+      </p:sp>
+      <p:sp>
+        <p:nvSpPr>
+          <p:cNvPr id="6" name="TextBox 5"/>
+          <p:cNvSpPr txBox="1"/>
+          <p:nvPr/>
+        </p:nvSpPr>
+        <p:spPr>
+          <a:xfrm>
+            <a:off x="3383280" y="1828800"/>
+            <a:ext cx="5303520" cy="731520"/>
+          </a:xfrm>
+          <a:prstGeom prst="rect">
+            <a:avLst/>
+          </a:prstGeom>
+          <a:noFill/>
+        </p:spPr>
+        <p:txBody>
+          <a:bodyPr wrap="none">
+            <a:spAutoFit/>
+          </a:bodyPr>
+          <a:lstStyle/>
           <a:p>
             <a:pPr>
-              <a:spcBef>
-                <a:spcPts val="1200"/>
-              </a:spcBef>
-              <a:defRPr sz="1800"/>
-            </a:pPr>
-          </a:p>
+              <a:defRPr sz="1400" i="1">
+                <a:solidFill>
+                  <a:srgbClr val="FFFFFF"/>
+                </a:solidFill>
+              </a:defRPr>
+            </a:pPr>
+            <a:r>
+              <a:t>What protects you from competition</a:t>
+            </a:r>
+          </a:p>
+        </p:txBody>
+      </p:sp>
+      <p:sp>
+        <p:nvSpPr>
+          <p:cNvPr id="7" name="TextBox 6"/>
+          <p:cNvSpPr txBox="1"/>
+          <p:nvPr/>
+        </p:nvSpPr>
+        <p:spPr>
+          <a:xfrm>
+            <a:off x="3383280" y="2743200"/>
+            <a:ext cx="5303520" cy="2103120"/>
+          </a:xfrm>
+          <a:prstGeom prst="rect">
+            <a:avLst/>
+          </a:prstGeom>
+          <a:noFill/>
+        </p:spPr>
+        <p:txBody>
+          <a:bodyPr wrap="none">
+            <a:spAutoFit/>
+          </a:bodyPr>
+          <a:lstStyle/>
           <a:p>
             <a:pPr>
-              <a:spcBef>
-                <a:spcPts val="1200"/>
-              </a:spcBef>
-              <a:defRPr sz="1800"/>
-            </a:pPr>
-            <a:r>
-              <a:t>Competitive advantages that make it hard for others to copy you</a:t>
+              <a:defRPr sz="1400">
+                <a:solidFill>
+                  <a:srgbClr val="FFFFFF"/>
+                </a:solidFill>
+              </a:defRPr>
+            </a:pPr>
+            <a:r>
+              <a:t>• Do you have patents, trademarks, or IP?</a:t>
             </a:r>
           </a:p>
           <a:p>
             <a:pPr>
-              <a:spcBef>
-                <a:spcPts val="1200"/>
-              </a:spcBef>
-              <a:defRPr sz="1800"/>
-            </a:pPr>
+              <a:defRPr sz="1400">
+                <a:solidFill>
+                  <a:srgbClr val="FFFFFF"/>
+                </a:solidFill>
+              </a:defRPr>
+            </a:pPr>
+            <a:r>
+              <a:t>• Do you have exclusive supplier relationships?</a:t>
+            </a:r>
           </a:p>
           <a:p>
             <a:pPr>
-              <a:spcBef>
-                <a:spcPts val="1200"/>
-              </a:spcBef>
-              <a:defRPr sz="1800"/>
-            </a:pPr>
-            <a:r>
-              <a:t>Can be tangible or intangible:</a:t>
+              <a:defRPr sz="1400">
+                <a:solidFill>
+                  <a:srgbClr val="FFFFFF"/>
+                </a:solidFill>
+              </a:defRPr>
+            </a:pPr>
+            <a:r>
+              <a:t>• Do you have regulatory licenses?</a:t>
             </a:r>
           </a:p>
           <a:p>
             <a:pPr>
-              <a:spcBef>
-                <a:spcPts val="1200"/>
-              </a:spcBef>
-              <a:defRPr sz="1800"/>
-            </a:pPr>
-            <a:r>
-              <a:t>  • Patents, trademarks, licenses</a:t>
-            </a:r>
-          </a:p>
-          <a:p>
-            <a:pPr>
-              <a:spcBef>
-                <a:spcPts val="1200"/>
-              </a:spcBef>
-              <a:defRPr sz="1800"/>
-            </a:pPr>
-            <a:r>
-              <a:t>  • Specialized knowledge or processes</a:t>
-            </a:r>
-          </a:p>
-          <a:p>
-            <a:pPr>
-              <a:spcBef>
-                <a:spcPts val="1200"/>
-              </a:spcBef>
-              <a:defRPr sz="1800"/>
-            </a:pPr>
-            <a:r>
-              <a:t>  • Brand reputation and customer loyalty</a:t>
-            </a:r>
-          </a:p>
-          <a:p>
-            <a:pPr>
-              <a:spcBef>
-                <a:spcPts val="1200"/>
-              </a:spcBef>
-              <a:defRPr sz="1800"/>
-            </a:pPr>
-            <a:r>
-              <a:t>  • Exclusive relationships or locations</a:t>
-            </a:r>
-          </a:p>
-          <a:p>
-            <a:pPr>
-              <a:spcBef>
-                <a:spcPts val="1200"/>
-              </a:spcBef>
-              <a:defRPr sz="1800"/>
-            </a:pPr>
-          </a:p>
-          <a:p>
-            <a:pPr>
-              <a:spcBef>
-                <a:spcPts val="1200"/>
-              </a:spcBef>
-              <a:defRPr sz="1800"/>
-            </a:pPr>
-            <a:r>
-              <a:t>Sourdough Sanctuary: Complex 72-hour process, loyal customer</a:t>
-            </a:r>
-          </a:p>
-          <a:p>
-            <a:pPr>
-              <a:spcBef>
-                <a:spcPts val="1200"/>
-              </a:spcBef>
-              <a:defRPr sz="1800"/>
-            </a:pPr>
-            <a:r>
-              <a:t>base, exclusive supplier relationships, prime location</a:t>
+              <a:defRPr sz="1400">
+                <a:solidFill>
+                  <a:srgbClr val="FFFFFF"/>
+                </a:solidFill>
+              </a:defRPr>
+            </a:pPr>
+            <a:r>
+              <a:t>• What makes it hard for others to copy you?</a:t>
             </a:r>
           </a:p>
         </p:txBody>
@@ -6076,6 +5975,14 @@
 <file path=ppt/slides/slide9.xml><?xml version="1.0" encoding="utf-8"?>
 <p:sld xmlns:a="http://schemas.openxmlformats.org/drawingml/2006/main" xmlns:p="http://schemas.openxmlformats.org/presentationml/2006/main" xmlns:r="http://schemas.openxmlformats.org/officeDocument/2006/relationships">
   <p:cSld>
+    <p:bg>
+      <p:bgPr>
+        <a:solidFill>
+          <a:srgbClr val="101C42"/>
+        </a:solidFill>
+        <a:effectLst/>
+      </p:bgPr>
+    </p:bg>
     <p:spTree>
       <p:nvGrpSpPr>
         <p:cNvPr id="1" name=""/>
@@ -6085,38 +5992,46 @@
       <p:grpSpPr/>
       <p:sp>
         <p:nvSpPr>
-          <p:cNvPr id="2" name="TextBox 1"/>
-          <p:cNvSpPr txBox="1"/>
+          <p:cNvPr id="2" name="Oval 1"/>
+          <p:cNvSpPr/>
           <p:nvPr/>
         </p:nvSpPr>
         <p:spPr>
           <a:xfrm>
-            <a:off x="0" y="0"/>
-            <a:ext cx="9144000" cy="731520"/>
-          </a:xfrm>
-          <a:prstGeom prst="rect">
+            <a:off x="640080" y="1371600"/>
+            <a:ext cx="1828800" cy="1828800"/>
+          </a:xfrm>
+          <a:prstGeom prst="ellipse">
             <a:avLst/>
           </a:prstGeom>
           <a:solidFill>
-            <a:srgbClr val="101C42"/>
+            <a:srgbClr val="9B59B6"/>
           </a:solidFill>
-        </p:spPr>
-        <p:txBody>
-          <a:bodyPr wrap="none" anchor="ctr" lIns="457200">
-            <a:spAutoFit/>
-          </a:bodyPr>
-          <a:lstStyle/>
-          <a:p>
-            <a:pPr>
-              <a:defRPr sz="2800" b="1">
-                <a:solidFill>
-                  <a:srgbClr val="FFFFFF"/>
-                </a:solidFill>
-              </a:defRPr>
-            </a:pPr>
-            <a:r>
-              <a:t>Component 6: The Customer</a:t>
-            </a:r>
+          <a:ln>
+            <a:solidFill>
+              <a:srgbClr val="9B59B6"/>
+            </a:solidFill>
+          </a:ln>
+        </p:spPr>
+        <p:style>
+          <a:lnRef idx="1">
+            <a:schemeClr val="accent1"/>
+          </a:lnRef>
+          <a:fillRef idx="3">
+            <a:schemeClr val="accent1"/>
+          </a:fillRef>
+          <a:effectRef idx="2">
+            <a:schemeClr val="accent1"/>
+          </a:effectRef>
+          <a:fontRef idx="minor">
+            <a:schemeClr val="lt1"/>
+          </a:fontRef>
+        </p:style>
+        <p:txBody>
+          <a:bodyPr rtlCol="0" anchor="ctr"/>
+          <a:lstStyle/>
+          <a:p>
+            <a:pPr algn="ctr"/>
           </a:p>
         </p:txBody>
       </p:sp>
@@ -6128,8 +6043,8 @@
         </p:nvSpPr>
         <p:spPr>
           <a:xfrm>
-            <a:off x="731520" y="1371600"/>
-            <a:ext cx="7680960" cy="5029200"/>
+            <a:off x="640080" y="1828800"/>
+            <a:ext cx="1828800" cy="914400"/>
           </a:xfrm>
           <a:prstGeom prst="rect">
             <a:avLst/>
@@ -6137,132 +6052,206 @@
           <a:noFill/>
         </p:spPr>
         <p:txBody>
-          <a:bodyPr wrap="square">
+          <a:bodyPr wrap="none">
             <a:spAutoFit/>
           </a:bodyPr>
           <a:lstStyle/>
-          <a:p/>
+          <a:p>
+            <a:pPr algn="ctr">
+              <a:defRPr sz="8000" b="1">
+                <a:solidFill>
+                  <a:srgbClr val="FFFFFF"/>
+                </a:solidFill>
+              </a:defRPr>
+            </a:pPr>
+            <a:r>
+              <a:t>6</a:t>
+            </a:r>
+          </a:p>
+        </p:txBody>
+      </p:sp>
+      <p:sp>
+        <p:nvSpPr>
+          <p:cNvPr id="4" name="Rectangle 3"/>
+          <p:cNvSpPr/>
+          <p:nvPr/>
+        </p:nvSpPr>
+        <p:spPr>
+          <a:xfrm>
+            <a:off x="2926080" y="914400"/>
+            <a:ext cx="73152" cy="3657600"/>
+          </a:xfrm>
+          <a:prstGeom prst="rect">
+            <a:avLst/>
+          </a:prstGeom>
+          <a:solidFill>
+            <a:srgbClr val="FFFFFF"/>
+          </a:solidFill>
+          <a:ln>
+            <a:solidFill>
+              <a:srgbClr val="FFFFFF"/>
+            </a:solidFill>
+          </a:ln>
+        </p:spPr>
+        <p:style>
+          <a:lnRef idx="1">
+            <a:schemeClr val="accent1"/>
+          </a:lnRef>
+          <a:fillRef idx="3">
+            <a:schemeClr val="accent1"/>
+          </a:fillRef>
+          <a:effectRef idx="2">
+            <a:schemeClr val="accent1"/>
+          </a:effectRef>
+          <a:fontRef idx="minor">
+            <a:schemeClr val="lt1"/>
+          </a:fontRef>
+        </p:style>
+        <p:txBody>
+          <a:bodyPr rtlCol="0" anchor="ctr"/>
+          <a:lstStyle/>
+          <a:p>
+            <a:pPr algn="ctr"/>
+          </a:p>
+        </p:txBody>
+      </p:sp>
+      <p:sp>
+        <p:nvSpPr>
+          <p:cNvPr id="5" name="TextBox 4"/>
+          <p:cNvSpPr txBox="1"/>
+          <p:nvPr/>
+        </p:nvSpPr>
+        <p:spPr>
+          <a:xfrm>
+            <a:off x="3383280" y="914400"/>
+            <a:ext cx="5486400" cy="731520"/>
+          </a:xfrm>
+          <a:prstGeom prst="rect">
+            <a:avLst/>
+          </a:prstGeom>
+          <a:noFill/>
+        </p:spPr>
+        <p:txBody>
+          <a:bodyPr wrap="none">
+            <a:spAutoFit/>
+          </a:bodyPr>
+          <a:lstStyle/>
           <a:p>
             <a:pPr>
-              <a:spcBef>
-                <a:spcPts val="1200"/>
-              </a:spcBef>
-              <a:defRPr sz="1800"/>
-            </a:pPr>
-            <a:r>
-              <a:t>Who do you serve?</a:t>
-            </a:r>
-          </a:p>
+              <a:defRPr sz="3200" b="1">
+                <a:solidFill>
+                  <a:srgbClr val="9B59B6"/>
+                </a:solidFill>
+              </a:defRPr>
+            </a:pPr>
+            <a:r>
+              <a:t>CUSTOMER</a:t>
+            </a:r>
+          </a:p>
+        </p:txBody>
+      </p:sp>
+      <p:sp>
+        <p:nvSpPr>
+          <p:cNvPr id="6" name="TextBox 5"/>
+          <p:cNvSpPr txBox="1"/>
+          <p:nvPr/>
+        </p:nvSpPr>
+        <p:spPr>
+          <a:xfrm>
+            <a:off x="3383280" y="1828800"/>
+            <a:ext cx="5303520" cy="731520"/>
+          </a:xfrm>
+          <a:prstGeom prst="rect">
+            <a:avLst/>
+          </a:prstGeom>
+          <a:noFill/>
+        </p:spPr>
+        <p:txBody>
+          <a:bodyPr wrap="none">
+            <a:spAutoFit/>
+          </a:bodyPr>
+          <a:lstStyle/>
           <a:p>
             <a:pPr>
-              <a:spcBef>
-                <a:spcPts val="1200"/>
-              </a:spcBef>
-              <a:defRPr sz="1800"/>
-            </a:pPr>
-          </a:p>
+              <a:defRPr sz="1400" i="1">
+                <a:solidFill>
+                  <a:srgbClr val="FFFFFF"/>
+                </a:solidFill>
+              </a:defRPr>
+            </a:pPr>
+            <a:r>
+              <a:t>Who pays for and uses your product</a:t>
+            </a:r>
+          </a:p>
+        </p:txBody>
+      </p:sp>
+      <p:sp>
+        <p:nvSpPr>
+          <p:cNvPr id="7" name="TextBox 6"/>
+          <p:cNvSpPr txBox="1"/>
+          <p:nvPr/>
+        </p:nvSpPr>
+        <p:spPr>
+          <a:xfrm>
+            <a:off x="3383280" y="2743200"/>
+            <a:ext cx="5303520" cy="2103120"/>
+          </a:xfrm>
+          <a:prstGeom prst="rect">
+            <a:avLst/>
+          </a:prstGeom>
+          <a:noFill/>
+        </p:spPr>
+        <p:txBody>
+          <a:bodyPr wrap="none">
+            <a:spAutoFit/>
+          </a:bodyPr>
+          <a:lstStyle/>
           <a:p>
             <a:pPr>
-              <a:spcBef>
-                <a:spcPts val="1200"/>
-              </a:spcBef>
-              <a:defRPr sz="1800"/>
-            </a:pPr>
-            <a:r>
-              <a:t>Think beyond just the payer:</a:t>
+              <a:defRPr sz="1400">
+                <a:solidFill>
+                  <a:srgbClr val="FFFFFF"/>
+                </a:solidFill>
+              </a:defRPr>
+            </a:pPr>
+            <a:r>
+              <a:t>• Who is your ideal customer?</a:t>
             </a:r>
           </a:p>
           <a:p>
             <a:pPr>
-              <a:spcBef>
-                <a:spcPts val="1200"/>
-              </a:spcBef>
-              <a:defRPr sz="1800"/>
-            </a:pPr>
+              <a:defRPr sz="1400">
+                <a:solidFill>
+                  <a:srgbClr val="FFFFFF"/>
+                </a:solidFill>
+              </a:defRPr>
+            </a:pPr>
+            <a:r>
+              <a:t>• Who actually pays (if different from user)?</a:t>
+            </a:r>
           </a:p>
           <a:p>
             <a:pPr>
-              <a:spcBef>
-                <a:spcPts val="1200"/>
-              </a:spcBef>
-              <a:defRPr sz="1800"/>
-            </a:pPr>
-            <a:r>
-              <a:t>  • The USER: Who actually uses your product/service?</a:t>
+              <a:defRPr sz="1400">
+                <a:solidFill>
+                  <a:srgbClr val="FFFFFF"/>
+                </a:solidFill>
+              </a:defRPr>
+            </a:pPr>
+            <a:r>
+              <a:t>• What community or market do they belong to?</a:t>
             </a:r>
           </a:p>
           <a:p>
             <a:pPr>
-              <a:spcBef>
-                <a:spcPts val="1200"/>
-              </a:spcBef>
-              <a:defRPr sz="1800"/>
-            </a:pPr>
-            <a:r>
-              <a:t>  • The PAYER: Who pays for it?</a:t>
-            </a:r>
-          </a:p>
-          <a:p>
-            <a:pPr>
-              <a:spcBef>
-                <a:spcPts val="1200"/>
-              </a:spcBef>
-              <a:defRPr sz="1800"/>
-            </a:pPr>
-            <a:r>
-              <a:t>  • The COMMUNITY: Who else do you impact?</a:t>
-            </a:r>
-          </a:p>
-          <a:p>
-            <a:pPr>
-              <a:spcBef>
-                <a:spcPts val="1200"/>
-              </a:spcBef>
-              <a:defRPr sz="1800"/>
-            </a:pPr>
-          </a:p>
-          <a:p>
-            <a:pPr>
-              <a:spcBef>
-                <a:spcPts val="1200"/>
-              </a:spcBef>
-              <a:defRPr sz="1800"/>
-            </a:pPr>
-            <a:r>
-              <a:t>Sourdough Sanctuary:</a:t>
-            </a:r>
-          </a:p>
-          <a:p>
-            <a:pPr>
-              <a:spcBef>
-                <a:spcPts val="1200"/>
-              </a:spcBef>
-              <a:defRPr sz="1800"/>
-            </a:pPr>
-            <a:r>
-              <a:t>  • User: Health-conscious foodies</a:t>
-            </a:r>
-          </a:p>
-          <a:p>
-            <a:pPr>
-              <a:spcBef>
-                <a:spcPts val="1200"/>
-              </a:spcBef>
-              <a:defRPr sz="1800"/>
-            </a:pPr>
-            <a:r>
-              <a:t>  • Payer: Often the same, sometimes family members</a:t>
-            </a:r>
-          </a:p>
-          <a:p>
-            <a:pPr>
-              <a:spcBef>
-                <a:spcPts val="1200"/>
-              </a:spcBef>
-              <a:defRPr sz="1800"/>
-            </a:pPr>
-            <a:r>
-              <a:t>  • Community: Local neighborhood, Cape Town foodie scene</a:t>
+              <a:defRPr sz="1400">
+                <a:solidFill>
+                  <a:srgbClr val="FFFFFF"/>
+                </a:solidFill>
+              </a:defRPr>
+            </a:pPr>
+            <a:r>
+              <a:t>• How do you reach them?</a:t>
             </a:r>
           </a:p>
         </p:txBody>

--- a/artifacts/04-CHAT-Framework-Presentation.pptx
+++ b/artifacts/04-CHAT-Framework-Presentation.pptx
@@ -8,6 +8,7 @@
     <p:sldId id="256" r:id="rId7"/>
     <p:sldId id="257" r:id="rId8"/>
     <p:sldId id="258" r:id="rId9"/>
+    <p:sldId id="268" r:id="rId19"/>
     <p:sldId id="259" r:id="rId10"/>
     <p:sldId id="260" r:id="rId11"/>
     <p:sldId id="261" r:id="rId12"/>
@@ -3787,6 +3788,83 @@
           </a:p>
         </p:txBody>
       </p:sp>
+    </p:spTree>
+  </p:cSld>
+  <p:clrMapOvr>
+    <a:masterClrMapping/>
+  </p:clrMapOvr>
+</p:sld>
+</file>
+
+<file path=ppt/slides/slide13.xml><?xml version="1.0" encoding="utf-8"?>
+<p:sld xmlns:a="http://schemas.openxmlformats.org/drawingml/2006/main" xmlns:p="http://schemas.openxmlformats.org/presentationml/2006/main" xmlns:r="http://schemas.openxmlformats.org/officeDocument/2006/relationships">
+  <p:cSld>
+    <p:spTree>
+      <p:nvGrpSpPr>
+        <p:cNvPr id="1" name=""/>
+        <p:cNvGrpSpPr/>
+        <p:nvPr/>
+      </p:nvGrpSpPr>
+      <p:grpSpPr/>
+      <p:sp>
+        <p:nvSpPr>
+          <p:cNvPr id="2" name="TextBox 1"/>
+          <p:cNvSpPr txBox="1"/>
+          <p:nvPr/>
+        </p:nvSpPr>
+        <p:spPr>
+          <a:xfrm>
+            <a:off x="457200" y="274320"/>
+            <a:ext cx="8229600" cy="640080"/>
+          </a:xfrm>
+          <a:prstGeom prst="rect">
+            <a:avLst/>
+          </a:prstGeom>
+          <a:noFill/>
+        </p:spPr>
+        <p:txBody>
+          <a:bodyPr wrap="none">
+            <a:spAutoFit/>
+          </a:bodyPr>
+          <a:lstStyle/>
+          <a:p>
+            <a:pPr algn="ctr">
+              <a:defRPr sz="3000" b="1">
+                <a:solidFill>
+                  <a:srgbClr val="1C2A4A"/>
+                </a:solidFill>
+              </a:defRPr>
+            </a:pPr>
+            <a:r>
+              <a:t>The 7 Interconnected Components</a:t>
+            </a:r>
+          </a:p>
+        </p:txBody>
+      </p:sp>
+      <p:pic>
+        <p:nvPicPr>
+          <p:cNvPr id="3" name="Picture 2" descr="chat-framework-7-components.png"/>
+          <p:cNvPicPr>
+            <a:picLocks noChangeAspect="1"/>
+          </p:cNvPicPr>
+          <p:nvPr/>
+        </p:nvPicPr>
+        <p:blipFill>
+          <a:blip r:embed="rId2"/>
+          <a:stretch>
+            <a:fillRect/>
+          </a:stretch>
+        </p:blipFill>
+        <p:spPr>
+          <a:xfrm>
+            <a:off x="274320" y="1005840"/>
+            <a:ext cx="8595360" cy="5600414"/>
+          </a:xfrm>
+          <a:prstGeom prst="rect">
+            <a:avLst/>
+          </a:prstGeom>
+        </p:spPr>
+      </p:pic>
     </p:spTree>
   </p:cSld>
   <p:clrMapOvr>
